--- a/Elementos aparte/Presentación1.pptx
+++ b/Elementos aparte/Presentación1.pptx
@@ -107,6 +107,11 @@
       </a:defRPr>
     </a:lvl9pPr>
   </p:defaultTextStyle>
+  <p:extLst>
+    <p:ext uri="{EFAFB233-063F-42B5-8137-9DF3F51BA10A}">
+      <p15:sldGuideLst xmlns:p15="http://schemas.microsoft.com/office/powerpoint/2012/main"/>
+    </p:ext>
+  </p:extLst>
 </p:presentation>
 </file>
 
@@ -257,7 +262,7 @@
           <a:p>
             <a:fld id="{23444223-8658-487B-98EA-2EADF90CE8F2}" type="datetimeFigureOut">
               <a:rPr lang="es-ES" smtClean="0"/>
-              <a:t>23/04/2019</a:t>
+              <a:t>17/05/2019</a:t>
             </a:fld>
             <a:endParaRPr lang="es-ES"/>
           </a:p>
@@ -455,7 +460,7 @@
           <a:p>
             <a:fld id="{23444223-8658-487B-98EA-2EADF90CE8F2}" type="datetimeFigureOut">
               <a:rPr lang="es-ES" smtClean="0"/>
-              <a:t>23/04/2019</a:t>
+              <a:t>17/05/2019</a:t>
             </a:fld>
             <a:endParaRPr lang="es-ES"/>
           </a:p>
@@ -663,7 +668,7 @@
           <a:p>
             <a:fld id="{23444223-8658-487B-98EA-2EADF90CE8F2}" type="datetimeFigureOut">
               <a:rPr lang="es-ES" smtClean="0"/>
-              <a:t>23/04/2019</a:t>
+              <a:t>17/05/2019</a:t>
             </a:fld>
             <a:endParaRPr lang="es-ES"/>
           </a:p>
@@ -861,7 +866,7 @@
           <a:p>
             <a:fld id="{23444223-8658-487B-98EA-2EADF90CE8F2}" type="datetimeFigureOut">
               <a:rPr lang="es-ES" smtClean="0"/>
-              <a:t>23/04/2019</a:t>
+              <a:t>17/05/2019</a:t>
             </a:fld>
             <a:endParaRPr lang="es-ES"/>
           </a:p>
@@ -1136,7 +1141,7 @@
           <a:p>
             <a:fld id="{23444223-8658-487B-98EA-2EADF90CE8F2}" type="datetimeFigureOut">
               <a:rPr lang="es-ES" smtClean="0"/>
-              <a:t>23/04/2019</a:t>
+              <a:t>17/05/2019</a:t>
             </a:fld>
             <a:endParaRPr lang="es-ES"/>
           </a:p>
@@ -1401,7 +1406,7 @@
           <a:p>
             <a:fld id="{23444223-8658-487B-98EA-2EADF90CE8F2}" type="datetimeFigureOut">
               <a:rPr lang="es-ES" smtClean="0"/>
-              <a:t>23/04/2019</a:t>
+              <a:t>17/05/2019</a:t>
             </a:fld>
             <a:endParaRPr lang="es-ES"/>
           </a:p>
@@ -1813,7 +1818,7 @@
           <a:p>
             <a:fld id="{23444223-8658-487B-98EA-2EADF90CE8F2}" type="datetimeFigureOut">
               <a:rPr lang="es-ES" smtClean="0"/>
-              <a:t>23/04/2019</a:t>
+              <a:t>17/05/2019</a:t>
             </a:fld>
             <a:endParaRPr lang="es-ES"/>
           </a:p>
@@ -1954,7 +1959,7 @@
           <a:p>
             <a:fld id="{23444223-8658-487B-98EA-2EADF90CE8F2}" type="datetimeFigureOut">
               <a:rPr lang="es-ES" smtClean="0"/>
-              <a:t>23/04/2019</a:t>
+              <a:t>17/05/2019</a:t>
             </a:fld>
             <a:endParaRPr lang="es-ES"/>
           </a:p>
@@ -2067,7 +2072,7 @@
           <a:p>
             <a:fld id="{23444223-8658-487B-98EA-2EADF90CE8F2}" type="datetimeFigureOut">
               <a:rPr lang="es-ES" smtClean="0"/>
-              <a:t>23/04/2019</a:t>
+              <a:t>17/05/2019</a:t>
             </a:fld>
             <a:endParaRPr lang="es-ES"/>
           </a:p>
@@ -2378,7 +2383,7 @@
           <a:p>
             <a:fld id="{23444223-8658-487B-98EA-2EADF90CE8F2}" type="datetimeFigureOut">
               <a:rPr lang="es-ES" smtClean="0"/>
-              <a:t>23/04/2019</a:t>
+              <a:t>17/05/2019</a:t>
             </a:fld>
             <a:endParaRPr lang="es-ES"/>
           </a:p>
@@ -2666,7 +2671,7 @@
           <a:p>
             <a:fld id="{23444223-8658-487B-98EA-2EADF90CE8F2}" type="datetimeFigureOut">
               <a:rPr lang="es-ES" smtClean="0"/>
-              <a:t>23/04/2019</a:t>
+              <a:t>17/05/2019</a:t>
             </a:fld>
             <a:endParaRPr lang="es-ES"/>
           </a:p>
@@ -2907,7 +2912,7 @@
           <a:p>
             <a:fld id="{23444223-8658-487B-98EA-2EADF90CE8F2}" type="datetimeFigureOut">
               <a:rPr lang="es-ES" smtClean="0"/>
-              <a:t>23/04/2019</a:t>
+              <a:t>17/05/2019</a:t>
             </a:fld>
             <a:endParaRPr lang="es-ES"/>
           </a:p>
@@ -3378,7 +3383,23 @@
                   <a:schemeClr val="tx1"/>
                 </a:solidFill>
               </a:rPr>
-              <a:t>ALEX! ¿Estas bien? No quería lanzarte el balón tan fuerte… </a:t>
+              <a:t>Mama: ¡</a:t>
+            </a:r>
+            <a:r>
+              <a:rPr lang="es-ES" dirty="0" err="1">
+                <a:solidFill>
+                  <a:schemeClr val="tx1"/>
+                </a:solidFill>
+              </a:rPr>
+              <a:t>Aleex</a:t>
+            </a:r>
+            <a:r>
+              <a:rPr lang="es-ES" dirty="0">
+                <a:solidFill>
+                  <a:schemeClr val="tx1"/>
+                </a:solidFill>
+              </a:rPr>
+              <a:t>! ¡Ven un momento!</a:t>
             </a:r>
           </a:p>
         </p:txBody>
@@ -3467,7 +3488,7 @@
                   <a:schemeClr val="tx1"/>
                 </a:solidFill>
               </a:rPr>
-              <a:t>¿Qué…qué ha pasado?</a:t>
+              <a:t>Alex: </a:t>
             </a:r>
           </a:p>
         </p:txBody>

--- a/Elementos aparte/Presentación1.pptx
+++ b/Elementos aparte/Presentación1.pptx
@@ -5,10 +5,19 @@
     <p:sldMasterId id="2147483648" r:id="rId1"/>
   </p:sldMasterIdLst>
   <p:sldIdLst>
-    <p:sldId id="256" r:id="rId2"/>
-    <p:sldId id="258" r:id="rId3"/>
-    <p:sldId id="259" r:id="rId4"/>
-    <p:sldId id="260" r:id="rId5"/>
+    <p:sldId id="271" r:id="rId2"/>
+    <p:sldId id="277" r:id="rId3"/>
+    <p:sldId id="279" r:id="rId4"/>
+    <p:sldId id="280" r:id="rId5"/>
+    <p:sldId id="281" r:id="rId6"/>
+    <p:sldId id="282" r:id="rId7"/>
+    <p:sldId id="283" r:id="rId8"/>
+    <p:sldId id="284" r:id="rId9"/>
+    <p:sldId id="285" r:id="rId10"/>
+    <p:sldId id="286" r:id="rId11"/>
+    <p:sldId id="287" r:id="rId12"/>
+    <p:sldId id="288" r:id="rId13"/>
+    <p:sldId id="289" r:id="rId14"/>
   </p:sldIdLst>
   <p:sldSz cx="12192000" cy="6858000"/>
   <p:notesSz cx="6858000" cy="9144000"/>
@@ -262,7 +271,7 @@
           <a:p>
             <a:fld id="{23444223-8658-487B-98EA-2EADF90CE8F2}" type="datetimeFigureOut">
               <a:rPr lang="es-ES" smtClean="0"/>
-              <a:t>17/05/2019</a:t>
+              <a:t>21/05/2019</a:t>
             </a:fld>
             <a:endParaRPr lang="es-ES"/>
           </a:p>
@@ -460,7 +469,7 @@
           <a:p>
             <a:fld id="{23444223-8658-487B-98EA-2EADF90CE8F2}" type="datetimeFigureOut">
               <a:rPr lang="es-ES" smtClean="0"/>
-              <a:t>17/05/2019</a:t>
+              <a:t>21/05/2019</a:t>
             </a:fld>
             <a:endParaRPr lang="es-ES"/>
           </a:p>
@@ -668,7 +677,7 @@
           <a:p>
             <a:fld id="{23444223-8658-487B-98EA-2EADF90CE8F2}" type="datetimeFigureOut">
               <a:rPr lang="es-ES" smtClean="0"/>
-              <a:t>17/05/2019</a:t>
+              <a:t>21/05/2019</a:t>
             </a:fld>
             <a:endParaRPr lang="es-ES"/>
           </a:p>
@@ -866,7 +875,7 @@
           <a:p>
             <a:fld id="{23444223-8658-487B-98EA-2EADF90CE8F2}" type="datetimeFigureOut">
               <a:rPr lang="es-ES" smtClean="0"/>
-              <a:t>17/05/2019</a:t>
+              <a:t>21/05/2019</a:t>
             </a:fld>
             <a:endParaRPr lang="es-ES"/>
           </a:p>
@@ -1141,7 +1150,7 @@
           <a:p>
             <a:fld id="{23444223-8658-487B-98EA-2EADF90CE8F2}" type="datetimeFigureOut">
               <a:rPr lang="es-ES" smtClean="0"/>
-              <a:t>17/05/2019</a:t>
+              <a:t>21/05/2019</a:t>
             </a:fld>
             <a:endParaRPr lang="es-ES"/>
           </a:p>
@@ -1406,7 +1415,7 @@
           <a:p>
             <a:fld id="{23444223-8658-487B-98EA-2EADF90CE8F2}" type="datetimeFigureOut">
               <a:rPr lang="es-ES" smtClean="0"/>
-              <a:t>17/05/2019</a:t>
+              <a:t>21/05/2019</a:t>
             </a:fld>
             <a:endParaRPr lang="es-ES"/>
           </a:p>
@@ -1818,7 +1827,7 @@
           <a:p>
             <a:fld id="{23444223-8658-487B-98EA-2EADF90CE8F2}" type="datetimeFigureOut">
               <a:rPr lang="es-ES" smtClean="0"/>
-              <a:t>17/05/2019</a:t>
+              <a:t>21/05/2019</a:t>
             </a:fld>
             <a:endParaRPr lang="es-ES"/>
           </a:p>
@@ -1959,7 +1968,7 @@
           <a:p>
             <a:fld id="{23444223-8658-487B-98EA-2EADF90CE8F2}" type="datetimeFigureOut">
               <a:rPr lang="es-ES" smtClean="0"/>
-              <a:t>17/05/2019</a:t>
+              <a:t>21/05/2019</a:t>
             </a:fld>
             <a:endParaRPr lang="es-ES"/>
           </a:p>
@@ -2072,7 +2081,7 @@
           <a:p>
             <a:fld id="{23444223-8658-487B-98EA-2EADF90CE8F2}" type="datetimeFigureOut">
               <a:rPr lang="es-ES" smtClean="0"/>
-              <a:t>17/05/2019</a:t>
+              <a:t>21/05/2019</a:t>
             </a:fld>
             <a:endParaRPr lang="es-ES"/>
           </a:p>
@@ -2383,7 +2392,7 @@
           <a:p>
             <a:fld id="{23444223-8658-487B-98EA-2EADF90CE8F2}" type="datetimeFigureOut">
               <a:rPr lang="es-ES" smtClean="0"/>
-              <a:t>17/05/2019</a:t>
+              <a:t>21/05/2019</a:t>
             </a:fld>
             <a:endParaRPr lang="es-ES"/>
           </a:p>
@@ -2671,7 +2680,7 @@
           <a:p>
             <a:fld id="{23444223-8658-487B-98EA-2EADF90CE8F2}" type="datetimeFigureOut">
               <a:rPr lang="es-ES" smtClean="0"/>
-              <a:t>17/05/2019</a:t>
+              <a:t>21/05/2019</a:t>
             </a:fld>
             <a:endParaRPr lang="es-ES"/>
           </a:p>
@@ -2912,7 +2921,7 @@
           <a:p>
             <a:fld id="{23444223-8658-487B-98EA-2EADF90CE8F2}" type="datetimeFigureOut">
               <a:rPr lang="es-ES" smtClean="0"/>
-              <a:t>17/05/2019</a:t>
+              <a:t>21/05/2019</a:t>
             </a:fld>
             <a:endParaRPr lang="es-ES"/>
           </a:p>
@@ -3331,6 +3340,177 @@
       </p:grpSpPr>
       <p:sp>
         <p:nvSpPr>
+          <p:cNvPr id="4" name="Rectángulo 3">
+            <a:extLst>
+              <a:ext uri="{FF2B5EF4-FFF2-40B4-BE49-F238E27FC236}">
+                <a16:creationId xmlns:a16="http://schemas.microsoft.com/office/drawing/2014/main" id="{EC4B9E33-76FF-4676-89F3-8024B62E610C}"/>
+              </a:ext>
+            </a:extLst>
+          </p:cNvPr>
+          <p:cNvSpPr/>
+          <p:nvPr/>
+        </p:nvSpPr>
+        <p:spPr>
+          <a:xfrm>
+            <a:off x="0" y="0"/>
+            <a:ext cx="12192000" cy="6858000"/>
+          </a:xfrm>
+          <a:prstGeom prst="rect">
+            <a:avLst/>
+          </a:prstGeom>
+          <a:solidFill>
+            <a:schemeClr val="tx1"/>
+          </a:solidFill>
+        </p:spPr>
+        <p:style>
+          <a:lnRef idx="2">
+            <a:schemeClr val="accent1">
+              <a:shade val="50000"/>
+            </a:schemeClr>
+          </a:lnRef>
+          <a:fillRef idx="1">
+            <a:schemeClr val="accent1"/>
+          </a:fillRef>
+          <a:effectRef idx="0">
+            <a:schemeClr val="accent1"/>
+          </a:effectRef>
+          <a:fontRef idx="minor">
+            <a:schemeClr val="lt1"/>
+          </a:fontRef>
+        </p:style>
+        <p:txBody>
+          <a:bodyPr rtlCol="0" anchor="ctr"/>
+          <a:lstStyle/>
+          <a:p>
+            <a:pPr algn="ctr"/>
+            <a:r>
+              <a:rPr lang="es-ES" dirty="0">
+                <a:solidFill>
+                  <a:schemeClr val="bg1"/>
+                </a:solidFill>
+                <a:latin typeface="Algerian" panose="04020705040A02060702" pitchFamily="82" charset="0"/>
+              </a:rPr>
+              <a:t>Tras volver a casa, </a:t>
+            </a:r>
+            <a:r>
+              <a:rPr lang="es-ES" dirty="0" err="1">
+                <a:solidFill>
+                  <a:schemeClr val="bg1"/>
+                </a:solidFill>
+                <a:latin typeface="Algerian" panose="04020705040A02060702" pitchFamily="82" charset="0"/>
+              </a:rPr>
+              <a:t>alex</a:t>
+            </a:r>
+            <a:r>
+              <a:rPr lang="es-ES" dirty="0">
+                <a:solidFill>
+                  <a:schemeClr val="bg1"/>
+                </a:solidFill>
+                <a:latin typeface="Algerian" panose="04020705040A02060702" pitchFamily="82" charset="0"/>
+              </a:rPr>
+              <a:t> se encerró en su cuarto para pensar </a:t>
+            </a:r>
+          </a:p>
+          <a:p>
+            <a:pPr algn="ctr"/>
+            <a:r>
+              <a:rPr lang="es-ES" dirty="0">
+                <a:solidFill>
+                  <a:schemeClr val="bg1"/>
+                </a:solidFill>
+                <a:latin typeface="Algerian" panose="04020705040A02060702" pitchFamily="82" charset="0"/>
+              </a:rPr>
+              <a:t>cuál podría ser el reto del demonio</a:t>
+            </a:r>
+          </a:p>
+          <a:p>
+            <a:pPr algn="ctr"/>
+            <a:endParaRPr lang="es-ES" dirty="0">
+              <a:solidFill>
+                <a:schemeClr val="bg1"/>
+              </a:solidFill>
+              <a:latin typeface="Algerian" panose="04020705040A02060702" pitchFamily="82" charset="0"/>
+            </a:endParaRPr>
+          </a:p>
+          <a:p>
+            <a:pPr algn="ctr"/>
+            <a:r>
+              <a:rPr lang="es-ES" dirty="0">
+                <a:solidFill>
+                  <a:schemeClr val="bg1"/>
+                </a:solidFill>
+                <a:latin typeface="Algerian" panose="04020705040A02060702" pitchFamily="82" charset="0"/>
+              </a:rPr>
+              <a:t>Esa noche, tras comprobar que su madre estaba dormida, </a:t>
+            </a:r>
+          </a:p>
+          <a:p>
+            <a:pPr algn="ctr"/>
+            <a:r>
+              <a:rPr lang="es-ES" dirty="0">
+                <a:solidFill>
+                  <a:schemeClr val="bg1"/>
+                </a:solidFill>
+                <a:latin typeface="Algerian" panose="04020705040A02060702" pitchFamily="82" charset="0"/>
+              </a:rPr>
+              <a:t>salió en dirección al cementerio</a:t>
+            </a:r>
+          </a:p>
+          <a:p>
+            <a:pPr algn="ctr"/>
+            <a:endParaRPr lang="es-ES" dirty="0">
+              <a:solidFill>
+                <a:schemeClr val="bg1"/>
+              </a:solidFill>
+              <a:latin typeface="Algerian" panose="04020705040A02060702" pitchFamily="82" charset="0"/>
+            </a:endParaRPr>
+          </a:p>
+          <a:p>
+            <a:pPr algn="ctr"/>
+            <a:r>
+              <a:rPr lang="es-ES" dirty="0">
+                <a:solidFill>
+                  <a:schemeClr val="bg1"/>
+                </a:solidFill>
+                <a:latin typeface="Algerian" panose="04020705040A02060702" pitchFamily="82" charset="0"/>
+              </a:rPr>
+              <a:t>¿Podrá nuestra protagonista salvar a su padre?</a:t>
+            </a:r>
+          </a:p>
+        </p:txBody>
+      </p:sp>
+    </p:spTree>
+    <p:extLst>
+      <p:ext uri="{BB962C8B-B14F-4D97-AF65-F5344CB8AC3E}">
+        <p14:creationId xmlns:p14="http://schemas.microsoft.com/office/powerpoint/2010/main" val="3044435070"/>
+      </p:ext>
+    </p:extLst>
+  </p:cSld>
+  <p:clrMapOvr>
+    <a:masterClrMapping/>
+  </p:clrMapOvr>
+</p:sld>
+</file>
+
+<file path=ppt/slides/slide10.xml><?xml version="1.0" encoding="utf-8"?>
+<p:sld xmlns:a="http://schemas.openxmlformats.org/drawingml/2006/main" xmlns:r="http://schemas.openxmlformats.org/officeDocument/2006/relationships" xmlns:p="http://schemas.openxmlformats.org/presentationml/2006/main">
+  <p:cSld>
+    <p:spTree>
+      <p:nvGrpSpPr>
+        <p:cNvPr id="1" name=""/>
+        <p:cNvGrpSpPr/>
+        <p:nvPr/>
+      </p:nvGrpSpPr>
+      <p:grpSpPr>
+        <a:xfrm>
+          <a:off x="0" y="0"/>
+          <a:ext cx="0" cy="0"/>
+          <a:chOff x="0" y="0"/>
+          <a:chExt cx="0" cy="0"/>
+        </a:xfrm>
+      </p:grpSpPr>
+      <p:sp>
+        <p:nvSpPr>
           <p:cNvPr id="6" name="Rectángulo: esquinas superiores redondeadas 5">
             <a:extLst>
               <a:ext uri="{FF2B5EF4-FFF2-40B4-BE49-F238E27FC236}">
@@ -3383,23 +3563,7 @@
                   <a:schemeClr val="tx1"/>
                 </a:solidFill>
               </a:rPr>
-              <a:t>Mama: ¡</a:t>
-            </a:r>
-            <a:r>
-              <a:rPr lang="es-ES" dirty="0" err="1">
-                <a:solidFill>
-                  <a:schemeClr val="tx1"/>
-                </a:solidFill>
-              </a:rPr>
-              <a:t>Aleex</a:t>
-            </a:r>
-            <a:r>
-              <a:rPr lang="es-ES" dirty="0">
-                <a:solidFill>
-                  <a:schemeClr val="tx1"/>
-                </a:solidFill>
-              </a:rPr>
-              <a:t>! ¡Ven un momento!</a:t>
+              <a:t>Papá: Lo se, pequeña. Para mí también es duro...pero he de marcharme. Te quiero mucho.</a:t>
             </a:r>
           </a:p>
         </p:txBody>
@@ -3407,7 +3571,7 @@
     </p:spTree>
     <p:extLst>
       <p:ext uri="{BB962C8B-B14F-4D97-AF65-F5344CB8AC3E}">
-        <p14:creationId xmlns:p14="http://schemas.microsoft.com/office/powerpoint/2010/main" val="3742620958"/>
+        <p14:creationId xmlns:p14="http://schemas.microsoft.com/office/powerpoint/2010/main" val="1478467321"/>
       </p:ext>
     </p:extLst>
   </p:cSld>
@@ -3417,7 +3581,7 @@
 </p:sld>
 </file>
 
-<file path=ppt/slides/slide2.xml><?xml version="1.0" encoding="utf-8"?>
+<file path=ppt/slides/slide11.xml><?xml version="1.0" encoding="utf-8"?>
 <p:sld xmlns:a="http://schemas.openxmlformats.org/drawingml/2006/main" xmlns:r="http://schemas.openxmlformats.org/officeDocument/2006/relationships" xmlns:p="http://schemas.openxmlformats.org/presentationml/2006/main">
   <p:cSld>
     <p:spTree>
@@ -3488,7 +3652,7 @@
                   <a:schemeClr val="tx1"/>
                 </a:solidFill>
               </a:rPr>
-              <a:t>Alex: </a:t>
+              <a:t>Alex: Y yo a ti papá…</a:t>
             </a:r>
           </a:p>
         </p:txBody>
@@ -3496,7 +3660,7 @@
     </p:spTree>
     <p:extLst>
       <p:ext uri="{BB962C8B-B14F-4D97-AF65-F5344CB8AC3E}">
-        <p14:creationId xmlns:p14="http://schemas.microsoft.com/office/powerpoint/2010/main" val="2003722627"/>
+        <p14:creationId xmlns:p14="http://schemas.microsoft.com/office/powerpoint/2010/main" val="2326404325"/>
       </p:ext>
     </p:extLst>
   </p:cSld>
@@ -3506,7 +3670,7 @@
 </p:sld>
 </file>
 
-<file path=ppt/slides/slide3.xml><?xml version="1.0" encoding="utf-8"?>
+<file path=ppt/slides/slide12.xml><?xml version="1.0" encoding="utf-8"?>
 <p:sld xmlns:a="http://schemas.openxmlformats.org/drawingml/2006/main" xmlns:r="http://schemas.openxmlformats.org/officeDocument/2006/relationships" xmlns:p="http://schemas.openxmlformats.org/presentationml/2006/main">
   <p:cSld>
     <p:spTree>
@@ -3577,7 +3741,7 @@
                   <a:schemeClr val="tx1"/>
                 </a:solidFill>
               </a:rPr>
-              <a:t>Estoy bien, estoy bien… Ha sido algo muy extraño.</a:t>
+              <a:t>Papá: Espero que de vez en cuando vayas a ver nuestro pequeño árbol y te acuerdes de mí. Adiós, Alex.</a:t>
             </a:r>
           </a:p>
         </p:txBody>
@@ -3585,7 +3749,7 @@
     </p:spTree>
     <p:extLst>
       <p:ext uri="{BB962C8B-B14F-4D97-AF65-F5344CB8AC3E}">
-        <p14:creationId xmlns:p14="http://schemas.microsoft.com/office/powerpoint/2010/main" val="2272444942"/>
+        <p14:creationId xmlns:p14="http://schemas.microsoft.com/office/powerpoint/2010/main" val="1137999478"/>
       </p:ext>
     </p:extLst>
   </p:cSld>
@@ -3595,7 +3759,205 @@
 </p:sld>
 </file>
 
-<file path=ppt/slides/slide4.xml><?xml version="1.0" encoding="utf-8"?>
+<file path=ppt/slides/slide13.xml><?xml version="1.0" encoding="utf-8"?>
+<p:sld xmlns:a="http://schemas.openxmlformats.org/drawingml/2006/main" xmlns:r="http://schemas.openxmlformats.org/officeDocument/2006/relationships" xmlns:p="http://schemas.openxmlformats.org/presentationml/2006/main">
+  <p:cSld>
+    <p:spTree>
+      <p:nvGrpSpPr>
+        <p:cNvPr id="1" name=""/>
+        <p:cNvGrpSpPr/>
+        <p:nvPr/>
+      </p:nvGrpSpPr>
+      <p:grpSpPr>
+        <a:xfrm>
+          <a:off x="0" y="0"/>
+          <a:ext cx="0" cy="0"/>
+          <a:chOff x="0" y="0"/>
+          <a:chExt cx="0" cy="0"/>
+        </a:xfrm>
+      </p:grpSpPr>
+      <p:sp>
+        <p:nvSpPr>
+          <p:cNvPr id="4" name="Rectángulo 3">
+            <a:extLst>
+              <a:ext uri="{FF2B5EF4-FFF2-40B4-BE49-F238E27FC236}">
+                <a16:creationId xmlns:a16="http://schemas.microsoft.com/office/drawing/2014/main" id="{EC4B9E33-76FF-4676-89F3-8024B62E610C}"/>
+              </a:ext>
+            </a:extLst>
+          </p:cNvPr>
+          <p:cNvSpPr/>
+          <p:nvPr/>
+        </p:nvSpPr>
+        <p:spPr>
+          <a:xfrm>
+            <a:off x="0" y="0"/>
+            <a:ext cx="12192000" cy="6858000"/>
+          </a:xfrm>
+          <a:prstGeom prst="rect">
+            <a:avLst/>
+          </a:prstGeom>
+          <a:solidFill>
+            <a:schemeClr val="tx1"/>
+          </a:solidFill>
+        </p:spPr>
+        <p:style>
+          <a:lnRef idx="2">
+            <a:schemeClr val="accent1">
+              <a:shade val="50000"/>
+            </a:schemeClr>
+          </a:lnRef>
+          <a:fillRef idx="1">
+            <a:schemeClr val="accent1"/>
+          </a:fillRef>
+          <a:effectRef idx="0">
+            <a:schemeClr val="accent1"/>
+          </a:effectRef>
+          <a:fontRef idx="minor">
+            <a:schemeClr val="lt1"/>
+          </a:fontRef>
+        </p:style>
+        <p:txBody>
+          <a:bodyPr rtlCol="0" anchor="ctr"/>
+          <a:lstStyle/>
+          <a:p>
+            <a:pPr algn="ctr"/>
+            <a:r>
+              <a:rPr lang="es-ES" dirty="0">
+                <a:solidFill>
+                  <a:schemeClr val="bg1"/>
+                </a:solidFill>
+                <a:latin typeface="Algerian" panose="04020705040A02060702" pitchFamily="82" charset="0"/>
+              </a:rPr>
+              <a:t>Tras salvar a su padre, </a:t>
+            </a:r>
+            <a:r>
+              <a:rPr lang="es-ES" dirty="0" err="1">
+                <a:solidFill>
+                  <a:schemeClr val="bg1"/>
+                </a:solidFill>
+                <a:latin typeface="Algerian" panose="04020705040A02060702" pitchFamily="82" charset="0"/>
+              </a:rPr>
+              <a:t>alex</a:t>
+            </a:r>
+            <a:r>
+              <a:rPr lang="es-ES" dirty="0">
+                <a:solidFill>
+                  <a:schemeClr val="bg1"/>
+                </a:solidFill>
+                <a:latin typeface="Algerian" panose="04020705040A02060702" pitchFamily="82" charset="0"/>
+              </a:rPr>
+              <a:t> le cogió el gustillo a los juegos arcade.</a:t>
+            </a:r>
+          </a:p>
+          <a:p>
+            <a:pPr algn="ctr"/>
+            <a:endParaRPr lang="es-ES" dirty="0">
+              <a:solidFill>
+                <a:schemeClr val="bg1"/>
+              </a:solidFill>
+              <a:latin typeface="Algerian" panose="04020705040A02060702" pitchFamily="82" charset="0"/>
+            </a:endParaRPr>
+          </a:p>
+          <a:p>
+            <a:pPr algn="ctr"/>
+            <a:r>
+              <a:rPr lang="es-ES" dirty="0">
+                <a:solidFill>
+                  <a:schemeClr val="bg1"/>
+                </a:solidFill>
+                <a:latin typeface="Algerian" panose="04020705040A02060702" pitchFamily="82" charset="0"/>
+              </a:rPr>
+              <a:t>Restauró completamente la </a:t>
+            </a:r>
+            <a:r>
+              <a:rPr lang="es-ES" dirty="0" err="1">
+                <a:solidFill>
+                  <a:schemeClr val="bg1"/>
+                </a:solidFill>
+                <a:latin typeface="Algerian" panose="04020705040A02060702" pitchFamily="82" charset="0"/>
+              </a:rPr>
+              <a:t>atari</a:t>
+            </a:r>
+            <a:r>
+              <a:rPr lang="es-ES" dirty="0">
+                <a:solidFill>
+                  <a:schemeClr val="bg1"/>
+                </a:solidFill>
+                <a:latin typeface="Algerian" panose="04020705040A02060702" pitchFamily="82" charset="0"/>
+              </a:rPr>
+              <a:t> de la buhardilla y durante la carrera diseño numerosos juegos de ese estilo</a:t>
+            </a:r>
+          </a:p>
+          <a:p>
+            <a:pPr algn="ctr"/>
+            <a:endParaRPr lang="es-ES" dirty="0">
+              <a:solidFill>
+                <a:schemeClr val="bg1"/>
+              </a:solidFill>
+              <a:latin typeface="Algerian" panose="04020705040A02060702" pitchFamily="82" charset="0"/>
+            </a:endParaRPr>
+          </a:p>
+          <a:p>
+            <a:pPr algn="ctr"/>
+            <a:r>
+              <a:rPr lang="es-ES" dirty="0">
+                <a:solidFill>
+                  <a:schemeClr val="bg1"/>
+                </a:solidFill>
+                <a:latin typeface="Algerian" panose="04020705040A02060702" pitchFamily="82" charset="0"/>
+              </a:rPr>
+              <a:t>Cuando Terminó de estudiar, abrió su propia zona de recreativos DONDE VE, </a:t>
+            </a:r>
+          </a:p>
+          <a:p>
+            <a:pPr algn="ctr"/>
+            <a:r>
+              <a:rPr lang="es-ES" dirty="0">
+                <a:solidFill>
+                  <a:schemeClr val="bg1"/>
+                </a:solidFill>
+                <a:latin typeface="Algerian" panose="04020705040A02060702" pitchFamily="82" charset="0"/>
+              </a:rPr>
+              <a:t>JUNTO A SU MADRE, COMO OTROS CIENTOS DE NIÑOS DISFRUTAN DE LA EXPERIENCIA</a:t>
+            </a:r>
+          </a:p>
+          <a:p>
+            <a:pPr algn="ctr"/>
+            <a:endParaRPr lang="es-ES" dirty="0">
+              <a:solidFill>
+                <a:schemeClr val="bg1"/>
+              </a:solidFill>
+              <a:latin typeface="Algerian" panose="04020705040A02060702" pitchFamily="82" charset="0"/>
+            </a:endParaRPr>
+          </a:p>
+          <a:p>
+            <a:pPr algn="ctr"/>
+            <a:r>
+              <a:rPr lang="es-ES" sz="2800" dirty="0">
+                <a:solidFill>
+                  <a:schemeClr val="bg1"/>
+                </a:solidFill>
+                <a:latin typeface="Algerian" panose="04020705040A02060702" pitchFamily="82" charset="0"/>
+              </a:rPr>
+              <a:t>FIN DEL JUEGO</a:t>
+            </a:r>
+          </a:p>
+        </p:txBody>
+      </p:sp>
+    </p:spTree>
+    <p:extLst>
+      <p:ext uri="{BB962C8B-B14F-4D97-AF65-F5344CB8AC3E}">
+        <p14:creationId xmlns:p14="http://schemas.microsoft.com/office/powerpoint/2010/main" val="1831780859"/>
+      </p:ext>
+    </p:extLst>
+  </p:cSld>
+  <p:clrMapOvr>
+    <a:masterClrMapping/>
+  </p:clrMapOvr>
+</p:sld>
+</file>
+
+<file path=ppt/slides/slide2.xml><?xml version="1.0" encoding="utf-8"?>
 <p:sld xmlns:a="http://schemas.openxmlformats.org/drawingml/2006/main" xmlns:r="http://schemas.openxmlformats.org/officeDocument/2006/relationships" xmlns:p="http://schemas.openxmlformats.org/presentationml/2006/main">
   <p:cSld>
     <p:spTree>
@@ -3666,7 +4028,7 @@
                   <a:schemeClr val="tx1"/>
                 </a:solidFill>
               </a:rPr>
-              <a:t>Tus compañeros se han ido ya a clase, tal vez deberías acompañarles. De nuevo, lo siento mucho Alex.</a:t>
+              <a:t>Papá: ¡NO! ¡No lo hagas Alex!</a:t>
             </a:r>
           </a:p>
         </p:txBody>
@@ -3674,7 +4036,800 @@
     </p:spTree>
     <p:extLst>
       <p:ext uri="{BB962C8B-B14F-4D97-AF65-F5344CB8AC3E}">
-        <p14:creationId xmlns:p14="http://schemas.microsoft.com/office/powerpoint/2010/main" val="2341718103"/>
+        <p14:creationId xmlns:p14="http://schemas.microsoft.com/office/powerpoint/2010/main" val="2358897549"/>
+      </p:ext>
+    </p:extLst>
+  </p:cSld>
+  <p:clrMapOvr>
+    <a:masterClrMapping/>
+  </p:clrMapOvr>
+</p:sld>
+</file>
+
+<file path=ppt/slides/slide3.xml><?xml version="1.0" encoding="utf-8"?>
+<p:sld xmlns:a="http://schemas.openxmlformats.org/drawingml/2006/main" xmlns:r="http://schemas.openxmlformats.org/officeDocument/2006/relationships" xmlns:p="http://schemas.openxmlformats.org/presentationml/2006/main">
+  <p:cSld>
+    <p:spTree>
+      <p:nvGrpSpPr>
+        <p:cNvPr id="1" name=""/>
+        <p:cNvGrpSpPr/>
+        <p:nvPr/>
+      </p:nvGrpSpPr>
+      <p:grpSpPr>
+        <a:xfrm>
+          <a:off x="0" y="0"/>
+          <a:ext cx="0" cy="0"/>
+          <a:chOff x="0" y="0"/>
+          <a:chExt cx="0" cy="0"/>
+        </a:xfrm>
+      </p:grpSpPr>
+      <p:sp>
+        <p:nvSpPr>
+          <p:cNvPr id="2" name="Rectángulo 1">
+            <a:extLst>
+              <a:ext uri="{FF2B5EF4-FFF2-40B4-BE49-F238E27FC236}">
+                <a16:creationId xmlns:a16="http://schemas.microsoft.com/office/drawing/2014/main" id="{95E35892-20AD-4452-93C9-4B7E38FB549F}"/>
+              </a:ext>
+            </a:extLst>
+          </p:cNvPr>
+          <p:cNvSpPr/>
+          <p:nvPr/>
+        </p:nvSpPr>
+        <p:spPr>
+          <a:xfrm>
+            <a:off x="0" y="0"/>
+            <a:ext cx="12192000" cy="6858000"/>
+          </a:xfrm>
+          <a:prstGeom prst="rect">
+            <a:avLst/>
+          </a:prstGeom>
+          <a:solidFill>
+            <a:schemeClr val="tx1"/>
+          </a:solidFill>
+        </p:spPr>
+        <p:style>
+          <a:lnRef idx="2">
+            <a:schemeClr val="accent1">
+              <a:shade val="50000"/>
+            </a:schemeClr>
+          </a:lnRef>
+          <a:fillRef idx="1">
+            <a:schemeClr val="accent1"/>
+          </a:fillRef>
+          <a:effectRef idx="0">
+            <a:schemeClr val="accent1"/>
+          </a:effectRef>
+          <a:fontRef idx="minor">
+            <a:schemeClr val="lt1"/>
+          </a:fontRef>
+        </p:style>
+        <p:txBody>
+          <a:bodyPr rtlCol="0" anchor="ctr"/>
+          <a:lstStyle/>
+          <a:p>
+            <a:pPr algn="ctr"/>
+            <a:endParaRPr lang="es-ES"/>
+          </a:p>
+        </p:txBody>
+      </p:sp>
+      <p:sp>
+        <p:nvSpPr>
+          <p:cNvPr id="6" name="Rectángulo: esquinas superiores redondeadas 5">
+            <a:extLst>
+              <a:ext uri="{FF2B5EF4-FFF2-40B4-BE49-F238E27FC236}">
+                <a16:creationId xmlns:a16="http://schemas.microsoft.com/office/drawing/2014/main" id="{20062AB2-0628-4FFD-9B80-793FEDC74786}"/>
+              </a:ext>
+            </a:extLst>
+          </p:cNvPr>
+          <p:cNvSpPr/>
+          <p:nvPr/>
+        </p:nvSpPr>
+        <p:spPr>
+          <a:xfrm>
+            <a:off x="542925" y="513868"/>
+            <a:ext cx="11106150" cy="981075"/>
+          </a:xfrm>
+          <a:prstGeom prst="round2SameRect">
+            <a:avLst/>
+          </a:prstGeom>
+          <a:noFill/>
+          <a:ln>
+            <a:solidFill>
+              <a:schemeClr val="tx1"/>
+            </a:solidFill>
+          </a:ln>
+        </p:spPr>
+        <p:style>
+          <a:lnRef idx="2">
+            <a:schemeClr val="accent1">
+              <a:shade val="50000"/>
+            </a:schemeClr>
+          </a:lnRef>
+          <a:fillRef idx="1">
+            <a:schemeClr val="accent1"/>
+          </a:fillRef>
+          <a:effectRef idx="0">
+            <a:schemeClr val="accent1"/>
+          </a:effectRef>
+          <a:fontRef idx="minor">
+            <a:schemeClr val="lt1"/>
+          </a:fontRef>
+        </p:style>
+        <p:txBody>
+          <a:bodyPr rtlCol="0" anchor="ctr"/>
+          <a:lstStyle/>
+          <a:p>
+            <a:pPr algn="ctr"/>
+            <a:r>
+              <a:rPr lang="es-ES" sz="3200" dirty="0">
+                <a:solidFill>
+                  <a:schemeClr val="bg1"/>
+                </a:solidFill>
+                <a:latin typeface="Algerian" panose="04020705040A02060702" pitchFamily="82" charset="0"/>
+              </a:rPr>
+              <a:t>Este será nuestro ultimo encuentro </a:t>
+            </a:r>
+            <a:r>
+              <a:rPr lang="es-ES" sz="3200" dirty="0" err="1">
+                <a:solidFill>
+                  <a:schemeClr val="bg1"/>
+                </a:solidFill>
+                <a:latin typeface="Algerian" panose="04020705040A02060702" pitchFamily="82" charset="0"/>
+              </a:rPr>
+              <a:t>alex</a:t>
+            </a:r>
+            <a:r>
+              <a:rPr lang="es-ES" sz="3200" dirty="0">
+                <a:solidFill>
+                  <a:schemeClr val="bg1"/>
+                </a:solidFill>
+                <a:latin typeface="Algerian" panose="04020705040A02060702" pitchFamily="82" charset="0"/>
+              </a:rPr>
+              <a:t>… ¿me echarás de menos? </a:t>
+            </a:r>
+          </a:p>
+          <a:p>
+            <a:pPr algn="ctr"/>
+            <a:r>
+              <a:rPr lang="es-ES" sz="3200" dirty="0">
+                <a:solidFill>
+                  <a:schemeClr val="bg1"/>
+                </a:solidFill>
+                <a:latin typeface="Algerian" panose="04020705040A02060702" pitchFamily="82" charset="0"/>
+              </a:rPr>
+              <a:t>HAHAHAHAHAH</a:t>
+            </a:r>
+          </a:p>
+        </p:txBody>
+      </p:sp>
+    </p:spTree>
+    <p:extLst>
+      <p:ext uri="{BB962C8B-B14F-4D97-AF65-F5344CB8AC3E}">
+        <p14:creationId xmlns:p14="http://schemas.microsoft.com/office/powerpoint/2010/main" val="2846648679"/>
+      </p:ext>
+    </p:extLst>
+  </p:cSld>
+  <p:clrMapOvr>
+    <a:masterClrMapping/>
+  </p:clrMapOvr>
+</p:sld>
+</file>
+
+<file path=ppt/slides/slide4.xml><?xml version="1.0" encoding="utf-8"?>
+<p:sld xmlns:a="http://schemas.openxmlformats.org/drawingml/2006/main" xmlns:r="http://schemas.openxmlformats.org/officeDocument/2006/relationships" xmlns:p="http://schemas.openxmlformats.org/presentationml/2006/main">
+  <p:cSld>
+    <p:spTree>
+      <p:nvGrpSpPr>
+        <p:cNvPr id="1" name=""/>
+        <p:cNvGrpSpPr/>
+        <p:nvPr/>
+      </p:nvGrpSpPr>
+      <p:grpSpPr>
+        <a:xfrm>
+          <a:off x="0" y="0"/>
+          <a:ext cx="0" cy="0"/>
+          <a:chOff x="0" y="0"/>
+          <a:chExt cx="0" cy="0"/>
+        </a:xfrm>
+      </p:grpSpPr>
+      <p:sp>
+        <p:nvSpPr>
+          <p:cNvPr id="2" name="Rectángulo 1">
+            <a:extLst>
+              <a:ext uri="{FF2B5EF4-FFF2-40B4-BE49-F238E27FC236}">
+                <a16:creationId xmlns:a16="http://schemas.microsoft.com/office/drawing/2014/main" id="{95E35892-20AD-4452-93C9-4B7E38FB549F}"/>
+              </a:ext>
+            </a:extLst>
+          </p:cNvPr>
+          <p:cNvSpPr/>
+          <p:nvPr/>
+        </p:nvSpPr>
+        <p:spPr>
+          <a:xfrm>
+            <a:off x="0" y="0"/>
+            <a:ext cx="12192000" cy="6858000"/>
+          </a:xfrm>
+          <a:prstGeom prst="rect">
+            <a:avLst/>
+          </a:prstGeom>
+          <a:solidFill>
+            <a:schemeClr val="tx1"/>
+          </a:solidFill>
+        </p:spPr>
+        <p:style>
+          <a:lnRef idx="2">
+            <a:schemeClr val="accent1">
+              <a:shade val="50000"/>
+            </a:schemeClr>
+          </a:lnRef>
+          <a:fillRef idx="1">
+            <a:schemeClr val="accent1"/>
+          </a:fillRef>
+          <a:effectRef idx="0">
+            <a:schemeClr val="accent1"/>
+          </a:effectRef>
+          <a:fontRef idx="minor">
+            <a:schemeClr val="lt1"/>
+          </a:fontRef>
+        </p:style>
+        <p:txBody>
+          <a:bodyPr rtlCol="0" anchor="ctr"/>
+          <a:lstStyle/>
+          <a:p>
+            <a:pPr algn="ctr"/>
+            <a:endParaRPr lang="es-ES"/>
+          </a:p>
+        </p:txBody>
+      </p:sp>
+      <p:sp>
+        <p:nvSpPr>
+          <p:cNvPr id="6" name="Rectángulo: esquinas superiores redondeadas 5">
+            <a:extLst>
+              <a:ext uri="{FF2B5EF4-FFF2-40B4-BE49-F238E27FC236}">
+                <a16:creationId xmlns:a16="http://schemas.microsoft.com/office/drawing/2014/main" id="{20062AB2-0628-4FFD-9B80-793FEDC74786}"/>
+              </a:ext>
+            </a:extLst>
+          </p:cNvPr>
+          <p:cNvSpPr/>
+          <p:nvPr/>
+        </p:nvSpPr>
+        <p:spPr>
+          <a:xfrm>
+            <a:off x="542925" y="513868"/>
+            <a:ext cx="11106150" cy="981075"/>
+          </a:xfrm>
+          <a:prstGeom prst="round2SameRect">
+            <a:avLst/>
+          </a:prstGeom>
+          <a:noFill/>
+          <a:ln>
+            <a:solidFill>
+              <a:schemeClr val="tx1"/>
+            </a:solidFill>
+          </a:ln>
+        </p:spPr>
+        <p:style>
+          <a:lnRef idx="2">
+            <a:schemeClr val="accent1">
+              <a:shade val="50000"/>
+            </a:schemeClr>
+          </a:lnRef>
+          <a:fillRef idx="1">
+            <a:schemeClr val="accent1"/>
+          </a:fillRef>
+          <a:effectRef idx="0">
+            <a:schemeClr val="accent1"/>
+          </a:effectRef>
+          <a:fontRef idx="minor">
+            <a:schemeClr val="lt1"/>
+          </a:fontRef>
+        </p:style>
+        <p:txBody>
+          <a:bodyPr rtlCol="0" anchor="ctr"/>
+          <a:lstStyle/>
+          <a:p>
+            <a:pPr algn="ctr"/>
+            <a:r>
+              <a:rPr lang="es-ES" sz="3200" dirty="0" err="1">
+                <a:solidFill>
+                  <a:schemeClr val="bg1"/>
+                </a:solidFill>
+                <a:latin typeface="Algerian" panose="04020705040A02060702" pitchFamily="82" charset="0"/>
+              </a:rPr>
+              <a:t>Preparate</a:t>
+            </a:r>
+            <a:r>
+              <a:rPr lang="es-ES" sz="3200" dirty="0">
+                <a:solidFill>
+                  <a:schemeClr val="bg1"/>
+                </a:solidFill>
+                <a:latin typeface="Algerian" panose="04020705040A02060702" pitchFamily="82" charset="0"/>
+              </a:rPr>
+              <a:t> para enfrentarte al </a:t>
+            </a:r>
+            <a:r>
+              <a:rPr lang="es-ES" sz="3200" dirty="0" err="1">
+                <a:solidFill>
+                  <a:schemeClr val="bg1"/>
+                </a:solidFill>
+                <a:latin typeface="Algerian" panose="04020705040A02060702" pitchFamily="82" charset="0"/>
+              </a:rPr>
+              <a:t>Ghost-sweeper</a:t>
+            </a:r>
+            <a:r>
+              <a:rPr lang="es-ES" sz="3200" dirty="0">
+                <a:solidFill>
+                  <a:schemeClr val="bg1"/>
+                </a:solidFill>
+                <a:latin typeface="Algerian" panose="04020705040A02060702" pitchFamily="82" charset="0"/>
+              </a:rPr>
+              <a:t>…</a:t>
+            </a:r>
+          </a:p>
+          <a:p>
+            <a:pPr algn="ctr"/>
+            <a:r>
+              <a:rPr lang="es-ES" sz="3200" dirty="0">
+                <a:solidFill>
+                  <a:schemeClr val="bg1"/>
+                </a:solidFill>
+                <a:latin typeface="Algerian" panose="04020705040A02060702" pitchFamily="82" charset="0"/>
+              </a:rPr>
+              <a:t>¡ADELANTE!</a:t>
+            </a:r>
+          </a:p>
+        </p:txBody>
+      </p:sp>
+    </p:spTree>
+    <p:extLst>
+      <p:ext uri="{BB962C8B-B14F-4D97-AF65-F5344CB8AC3E}">
+        <p14:creationId xmlns:p14="http://schemas.microsoft.com/office/powerpoint/2010/main" val="510679238"/>
+      </p:ext>
+    </p:extLst>
+  </p:cSld>
+  <p:clrMapOvr>
+    <a:masterClrMapping/>
+  </p:clrMapOvr>
+</p:sld>
+</file>
+
+<file path=ppt/slides/slide5.xml><?xml version="1.0" encoding="utf-8"?>
+<p:sld xmlns:a="http://schemas.openxmlformats.org/drawingml/2006/main" xmlns:r="http://schemas.openxmlformats.org/officeDocument/2006/relationships" xmlns:p="http://schemas.openxmlformats.org/presentationml/2006/main">
+  <p:cSld>
+    <p:spTree>
+      <p:nvGrpSpPr>
+        <p:cNvPr id="1" name=""/>
+        <p:cNvGrpSpPr/>
+        <p:nvPr/>
+      </p:nvGrpSpPr>
+      <p:grpSpPr>
+        <a:xfrm>
+          <a:off x="0" y="0"/>
+          <a:ext cx="0" cy="0"/>
+          <a:chOff x="0" y="0"/>
+          <a:chExt cx="0" cy="0"/>
+        </a:xfrm>
+      </p:grpSpPr>
+      <p:sp>
+        <p:nvSpPr>
+          <p:cNvPr id="6" name="Rectángulo: esquinas superiores redondeadas 5">
+            <a:extLst>
+              <a:ext uri="{FF2B5EF4-FFF2-40B4-BE49-F238E27FC236}">
+                <a16:creationId xmlns:a16="http://schemas.microsoft.com/office/drawing/2014/main" id="{20062AB2-0628-4FFD-9B80-793FEDC74786}"/>
+              </a:ext>
+            </a:extLst>
+          </p:cNvPr>
+          <p:cNvSpPr/>
+          <p:nvPr/>
+        </p:nvSpPr>
+        <p:spPr>
+          <a:xfrm>
+            <a:off x="581672" y="247650"/>
+            <a:ext cx="11106150" cy="981075"/>
+          </a:xfrm>
+          <a:prstGeom prst="round2SameRect">
+            <a:avLst/>
+          </a:prstGeom>
+          <a:noFill/>
+          <a:ln>
+            <a:solidFill>
+              <a:schemeClr val="tx1"/>
+            </a:solidFill>
+          </a:ln>
+        </p:spPr>
+        <p:style>
+          <a:lnRef idx="2">
+            <a:schemeClr val="accent1">
+              <a:shade val="50000"/>
+            </a:schemeClr>
+          </a:lnRef>
+          <a:fillRef idx="1">
+            <a:schemeClr val="accent1"/>
+          </a:fillRef>
+          <a:effectRef idx="0">
+            <a:schemeClr val="accent1"/>
+          </a:effectRef>
+          <a:fontRef idx="minor">
+            <a:schemeClr val="lt1"/>
+          </a:fontRef>
+        </p:style>
+        <p:txBody>
+          <a:bodyPr rtlCol="0" anchor="ctr"/>
+          <a:lstStyle/>
+          <a:p>
+            <a:pPr algn="ctr"/>
+            <a:r>
+              <a:rPr lang="es-ES" sz="2400" b="1" dirty="0">
+                <a:solidFill>
+                  <a:schemeClr val="tx1"/>
+                </a:solidFill>
+                <a:latin typeface="Algerian" panose="04020705040A02060702" pitchFamily="82" charset="0"/>
+              </a:rPr>
+              <a:t>ARCADE LORD: ¡IMPOSIBLE! ¡AAAAAAAAARGH!</a:t>
+            </a:r>
+          </a:p>
+        </p:txBody>
+      </p:sp>
+    </p:spTree>
+    <p:extLst>
+      <p:ext uri="{BB962C8B-B14F-4D97-AF65-F5344CB8AC3E}">
+        <p14:creationId xmlns:p14="http://schemas.microsoft.com/office/powerpoint/2010/main" val="1911395842"/>
+      </p:ext>
+    </p:extLst>
+  </p:cSld>
+  <p:clrMapOvr>
+    <a:masterClrMapping/>
+  </p:clrMapOvr>
+</p:sld>
+</file>
+
+<file path=ppt/slides/slide6.xml><?xml version="1.0" encoding="utf-8"?>
+<p:sld xmlns:a="http://schemas.openxmlformats.org/drawingml/2006/main" xmlns:r="http://schemas.openxmlformats.org/officeDocument/2006/relationships" xmlns:p="http://schemas.openxmlformats.org/presentationml/2006/main">
+  <p:cSld>
+    <p:spTree>
+      <p:nvGrpSpPr>
+        <p:cNvPr id="1" name=""/>
+        <p:cNvGrpSpPr/>
+        <p:nvPr/>
+      </p:nvGrpSpPr>
+      <p:grpSpPr>
+        <a:xfrm>
+          <a:off x="0" y="0"/>
+          <a:ext cx="0" cy="0"/>
+          <a:chOff x="0" y="0"/>
+          <a:chExt cx="0" cy="0"/>
+        </a:xfrm>
+      </p:grpSpPr>
+      <p:sp>
+        <p:nvSpPr>
+          <p:cNvPr id="6" name="Rectángulo: esquinas superiores redondeadas 5">
+            <a:extLst>
+              <a:ext uri="{FF2B5EF4-FFF2-40B4-BE49-F238E27FC236}">
+                <a16:creationId xmlns:a16="http://schemas.microsoft.com/office/drawing/2014/main" id="{20062AB2-0628-4FFD-9B80-793FEDC74786}"/>
+              </a:ext>
+            </a:extLst>
+          </p:cNvPr>
+          <p:cNvSpPr/>
+          <p:nvPr/>
+        </p:nvSpPr>
+        <p:spPr>
+          <a:xfrm>
+            <a:off x="581672" y="247650"/>
+            <a:ext cx="11106150" cy="981075"/>
+          </a:xfrm>
+          <a:prstGeom prst="round2SameRect">
+            <a:avLst/>
+          </a:prstGeom>
+          <a:noFill/>
+          <a:ln>
+            <a:solidFill>
+              <a:schemeClr val="tx1"/>
+            </a:solidFill>
+          </a:ln>
+        </p:spPr>
+        <p:style>
+          <a:lnRef idx="2">
+            <a:schemeClr val="accent1">
+              <a:shade val="50000"/>
+            </a:schemeClr>
+          </a:lnRef>
+          <a:fillRef idx="1">
+            <a:schemeClr val="accent1"/>
+          </a:fillRef>
+          <a:effectRef idx="0">
+            <a:schemeClr val="accent1"/>
+          </a:effectRef>
+          <a:fontRef idx="minor">
+            <a:schemeClr val="lt1"/>
+          </a:fontRef>
+        </p:style>
+        <p:txBody>
+          <a:bodyPr rtlCol="0" anchor="ctr"/>
+          <a:lstStyle/>
+          <a:p>
+            <a:pPr algn="ctr"/>
+            <a:r>
+              <a:rPr lang="es-ES" dirty="0">
+                <a:solidFill>
+                  <a:schemeClr val="tx1"/>
+                </a:solidFill>
+              </a:rPr>
+              <a:t>Papá: ¡Alex! ¡Gracias al cielo! ¡Lo has conseguido!</a:t>
+            </a:r>
+          </a:p>
+        </p:txBody>
+      </p:sp>
+    </p:spTree>
+    <p:extLst>
+      <p:ext uri="{BB962C8B-B14F-4D97-AF65-F5344CB8AC3E}">
+        <p14:creationId xmlns:p14="http://schemas.microsoft.com/office/powerpoint/2010/main" val="2472180624"/>
+      </p:ext>
+    </p:extLst>
+  </p:cSld>
+  <p:clrMapOvr>
+    <a:masterClrMapping/>
+  </p:clrMapOvr>
+</p:sld>
+</file>
+
+<file path=ppt/slides/slide7.xml><?xml version="1.0" encoding="utf-8"?>
+<p:sld xmlns:a="http://schemas.openxmlformats.org/drawingml/2006/main" xmlns:r="http://schemas.openxmlformats.org/officeDocument/2006/relationships" xmlns:p="http://schemas.openxmlformats.org/presentationml/2006/main">
+  <p:cSld>
+    <p:spTree>
+      <p:nvGrpSpPr>
+        <p:cNvPr id="1" name=""/>
+        <p:cNvGrpSpPr/>
+        <p:nvPr/>
+      </p:nvGrpSpPr>
+      <p:grpSpPr>
+        <a:xfrm>
+          <a:off x="0" y="0"/>
+          <a:ext cx="0" cy="0"/>
+          <a:chOff x="0" y="0"/>
+          <a:chExt cx="0" cy="0"/>
+        </a:xfrm>
+      </p:grpSpPr>
+      <p:sp>
+        <p:nvSpPr>
+          <p:cNvPr id="6" name="Rectángulo: esquinas superiores redondeadas 5">
+            <a:extLst>
+              <a:ext uri="{FF2B5EF4-FFF2-40B4-BE49-F238E27FC236}">
+                <a16:creationId xmlns:a16="http://schemas.microsoft.com/office/drawing/2014/main" id="{20062AB2-0628-4FFD-9B80-793FEDC74786}"/>
+              </a:ext>
+            </a:extLst>
+          </p:cNvPr>
+          <p:cNvSpPr/>
+          <p:nvPr/>
+        </p:nvSpPr>
+        <p:spPr>
+          <a:xfrm>
+            <a:off x="581672" y="247650"/>
+            <a:ext cx="11106150" cy="981075"/>
+          </a:xfrm>
+          <a:prstGeom prst="round2SameRect">
+            <a:avLst/>
+          </a:prstGeom>
+          <a:noFill/>
+          <a:ln>
+            <a:solidFill>
+              <a:schemeClr val="tx1"/>
+            </a:solidFill>
+          </a:ln>
+        </p:spPr>
+        <p:style>
+          <a:lnRef idx="2">
+            <a:schemeClr val="accent1">
+              <a:shade val="50000"/>
+            </a:schemeClr>
+          </a:lnRef>
+          <a:fillRef idx="1">
+            <a:schemeClr val="accent1"/>
+          </a:fillRef>
+          <a:effectRef idx="0">
+            <a:schemeClr val="accent1"/>
+          </a:effectRef>
+          <a:fontRef idx="minor">
+            <a:schemeClr val="lt1"/>
+          </a:fontRef>
+        </p:style>
+        <p:txBody>
+          <a:bodyPr rtlCol="0" anchor="ctr"/>
+          <a:lstStyle/>
+          <a:p>
+            <a:pPr algn="ctr"/>
+            <a:r>
+              <a:rPr lang="es-ES" dirty="0">
+                <a:solidFill>
+                  <a:schemeClr val="tx1"/>
+                </a:solidFill>
+              </a:rPr>
+              <a:t>Alex: ¡Papá! ¡¿Qué pasará ahora contigo?!</a:t>
+            </a:r>
+          </a:p>
+        </p:txBody>
+      </p:sp>
+    </p:spTree>
+    <p:extLst>
+      <p:ext uri="{BB962C8B-B14F-4D97-AF65-F5344CB8AC3E}">
+        <p14:creationId xmlns:p14="http://schemas.microsoft.com/office/powerpoint/2010/main" val="4075334337"/>
+      </p:ext>
+    </p:extLst>
+  </p:cSld>
+  <p:clrMapOvr>
+    <a:masterClrMapping/>
+  </p:clrMapOvr>
+</p:sld>
+</file>
+
+<file path=ppt/slides/slide8.xml><?xml version="1.0" encoding="utf-8"?>
+<p:sld xmlns:a="http://schemas.openxmlformats.org/drawingml/2006/main" xmlns:r="http://schemas.openxmlformats.org/officeDocument/2006/relationships" xmlns:p="http://schemas.openxmlformats.org/presentationml/2006/main">
+  <p:cSld>
+    <p:spTree>
+      <p:nvGrpSpPr>
+        <p:cNvPr id="1" name=""/>
+        <p:cNvGrpSpPr/>
+        <p:nvPr/>
+      </p:nvGrpSpPr>
+      <p:grpSpPr>
+        <a:xfrm>
+          <a:off x="0" y="0"/>
+          <a:ext cx="0" cy="0"/>
+          <a:chOff x="0" y="0"/>
+          <a:chExt cx="0" cy="0"/>
+        </a:xfrm>
+      </p:grpSpPr>
+      <p:sp>
+        <p:nvSpPr>
+          <p:cNvPr id="6" name="Rectángulo: esquinas superiores redondeadas 5">
+            <a:extLst>
+              <a:ext uri="{FF2B5EF4-FFF2-40B4-BE49-F238E27FC236}">
+                <a16:creationId xmlns:a16="http://schemas.microsoft.com/office/drawing/2014/main" id="{20062AB2-0628-4FFD-9B80-793FEDC74786}"/>
+              </a:ext>
+            </a:extLst>
+          </p:cNvPr>
+          <p:cNvSpPr/>
+          <p:nvPr/>
+        </p:nvSpPr>
+        <p:spPr>
+          <a:xfrm>
+            <a:off x="581672" y="247650"/>
+            <a:ext cx="11106150" cy="981075"/>
+          </a:xfrm>
+          <a:prstGeom prst="round2SameRect">
+            <a:avLst/>
+          </a:prstGeom>
+          <a:noFill/>
+          <a:ln>
+            <a:solidFill>
+              <a:schemeClr val="tx1"/>
+            </a:solidFill>
+          </a:ln>
+        </p:spPr>
+        <p:style>
+          <a:lnRef idx="2">
+            <a:schemeClr val="accent1">
+              <a:shade val="50000"/>
+            </a:schemeClr>
+          </a:lnRef>
+          <a:fillRef idx="1">
+            <a:schemeClr val="accent1"/>
+          </a:fillRef>
+          <a:effectRef idx="0">
+            <a:schemeClr val="accent1"/>
+          </a:effectRef>
+          <a:fontRef idx="minor">
+            <a:schemeClr val="lt1"/>
+          </a:fontRef>
+        </p:style>
+        <p:txBody>
+          <a:bodyPr rtlCol="0" anchor="ctr"/>
+          <a:lstStyle/>
+          <a:p>
+            <a:pPr algn="ctr"/>
+            <a:r>
+              <a:rPr lang="es-ES" dirty="0">
+                <a:solidFill>
+                  <a:schemeClr val="tx1"/>
+                </a:solidFill>
+              </a:rPr>
+              <a:t>Papá: Estoy muerto cielo. Esto no va a cambiar eso… Sin embargo, gracias a ti ahora puedo descansar tranquilo de una vez por todas.</a:t>
+            </a:r>
+          </a:p>
+        </p:txBody>
+      </p:sp>
+    </p:spTree>
+    <p:extLst>
+      <p:ext uri="{BB962C8B-B14F-4D97-AF65-F5344CB8AC3E}">
+        <p14:creationId xmlns:p14="http://schemas.microsoft.com/office/powerpoint/2010/main" val="113903482"/>
+      </p:ext>
+    </p:extLst>
+  </p:cSld>
+  <p:clrMapOvr>
+    <a:masterClrMapping/>
+  </p:clrMapOvr>
+</p:sld>
+</file>
+
+<file path=ppt/slides/slide9.xml><?xml version="1.0" encoding="utf-8"?>
+<p:sld xmlns:a="http://schemas.openxmlformats.org/drawingml/2006/main" xmlns:r="http://schemas.openxmlformats.org/officeDocument/2006/relationships" xmlns:p="http://schemas.openxmlformats.org/presentationml/2006/main">
+  <p:cSld>
+    <p:spTree>
+      <p:nvGrpSpPr>
+        <p:cNvPr id="1" name=""/>
+        <p:cNvGrpSpPr/>
+        <p:nvPr/>
+      </p:nvGrpSpPr>
+      <p:grpSpPr>
+        <a:xfrm>
+          <a:off x="0" y="0"/>
+          <a:ext cx="0" cy="0"/>
+          <a:chOff x="0" y="0"/>
+          <a:chExt cx="0" cy="0"/>
+        </a:xfrm>
+      </p:grpSpPr>
+      <p:sp>
+        <p:nvSpPr>
+          <p:cNvPr id="6" name="Rectángulo: esquinas superiores redondeadas 5">
+            <a:extLst>
+              <a:ext uri="{FF2B5EF4-FFF2-40B4-BE49-F238E27FC236}">
+                <a16:creationId xmlns:a16="http://schemas.microsoft.com/office/drawing/2014/main" id="{20062AB2-0628-4FFD-9B80-793FEDC74786}"/>
+              </a:ext>
+            </a:extLst>
+          </p:cNvPr>
+          <p:cNvSpPr/>
+          <p:nvPr/>
+        </p:nvSpPr>
+        <p:spPr>
+          <a:xfrm>
+            <a:off x="581672" y="247650"/>
+            <a:ext cx="11106150" cy="981075"/>
+          </a:xfrm>
+          <a:prstGeom prst="round2SameRect">
+            <a:avLst/>
+          </a:prstGeom>
+          <a:noFill/>
+          <a:ln>
+            <a:solidFill>
+              <a:schemeClr val="tx1"/>
+            </a:solidFill>
+          </a:ln>
+        </p:spPr>
+        <p:style>
+          <a:lnRef idx="2">
+            <a:schemeClr val="accent1">
+              <a:shade val="50000"/>
+            </a:schemeClr>
+          </a:lnRef>
+          <a:fillRef idx="1">
+            <a:schemeClr val="accent1"/>
+          </a:fillRef>
+          <a:effectRef idx="0">
+            <a:schemeClr val="accent1"/>
+          </a:effectRef>
+          <a:fontRef idx="minor">
+            <a:schemeClr val="lt1"/>
+          </a:fontRef>
+        </p:style>
+        <p:txBody>
+          <a:bodyPr rtlCol="0" anchor="ctr"/>
+          <a:lstStyle/>
+          <a:p>
+            <a:pPr algn="ctr"/>
+            <a:r>
+              <a:rPr lang="es-ES" dirty="0">
+                <a:solidFill>
+                  <a:schemeClr val="tx1"/>
+                </a:solidFill>
+              </a:rPr>
+              <a:t>Alex: Pero no puedo perderte de nuevo cuando acabo de recuperarte…</a:t>
+            </a:r>
+          </a:p>
+        </p:txBody>
+      </p:sp>
+    </p:spTree>
+    <p:extLst>
+      <p:ext uri="{BB962C8B-B14F-4D97-AF65-F5344CB8AC3E}">
+        <p14:creationId xmlns:p14="http://schemas.microsoft.com/office/powerpoint/2010/main" val="1582148037"/>
       </p:ext>
     </p:extLst>
   </p:cSld>

--- a/Elementos aparte/Presentación1.pptx
+++ b/Elementos aparte/Presentación1.pptx
@@ -6,18 +6,6 @@
   </p:sldMasterIdLst>
   <p:sldIdLst>
     <p:sldId id="271" r:id="rId2"/>
-    <p:sldId id="277" r:id="rId3"/>
-    <p:sldId id="279" r:id="rId4"/>
-    <p:sldId id="280" r:id="rId5"/>
-    <p:sldId id="281" r:id="rId6"/>
-    <p:sldId id="282" r:id="rId7"/>
-    <p:sldId id="283" r:id="rId8"/>
-    <p:sldId id="284" r:id="rId9"/>
-    <p:sldId id="285" r:id="rId10"/>
-    <p:sldId id="286" r:id="rId11"/>
-    <p:sldId id="287" r:id="rId12"/>
-    <p:sldId id="288" r:id="rId13"/>
-    <p:sldId id="289" r:id="rId14"/>
   </p:sldIdLst>
   <p:sldSz cx="12192000" cy="6858000"/>
   <p:notesSz cx="6858000" cy="9144000"/>
@@ -271,7 +259,7 @@
           <a:p>
             <a:fld id="{23444223-8658-487B-98EA-2EADF90CE8F2}" type="datetimeFigureOut">
               <a:rPr lang="es-ES" smtClean="0"/>
-              <a:t>21/05/2019</a:t>
+              <a:t>31/05/2019</a:t>
             </a:fld>
             <a:endParaRPr lang="es-ES"/>
           </a:p>
@@ -469,7 +457,7 @@
           <a:p>
             <a:fld id="{23444223-8658-487B-98EA-2EADF90CE8F2}" type="datetimeFigureOut">
               <a:rPr lang="es-ES" smtClean="0"/>
-              <a:t>21/05/2019</a:t>
+              <a:t>31/05/2019</a:t>
             </a:fld>
             <a:endParaRPr lang="es-ES"/>
           </a:p>
@@ -677,7 +665,7 @@
           <a:p>
             <a:fld id="{23444223-8658-487B-98EA-2EADF90CE8F2}" type="datetimeFigureOut">
               <a:rPr lang="es-ES" smtClean="0"/>
-              <a:t>21/05/2019</a:t>
+              <a:t>31/05/2019</a:t>
             </a:fld>
             <a:endParaRPr lang="es-ES"/>
           </a:p>
@@ -875,7 +863,7 @@
           <a:p>
             <a:fld id="{23444223-8658-487B-98EA-2EADF90CE8F2}" type="datetimeFigureOut">
               <a:rPr lang="es-ES" smtClean="0"/>
-              <a:t>21/05/2019</a:t>
+              <a:t>31/05/2019</a:t>
             </a:fld>
             <a:endParaRPr lang="es-ES"/>
           </a:p>
@@ -1150,7 +1138,7 @@
           <a:p>
             <a:fld id="{23444223-8658-487B-98EA-2EADF90CE8F2}" type="datetimeFigureOut">
               <a:rPr lang="es-ES" smtClean="0"/>
-              <a:t>21/05/2019</a:t>
+              <a:t>31/05/2019</a:t>
             </a:fld>
             <a:endParaRPr lang="es-ES"/>
           </a:p>
@@ -1415,7 +1403,7 @@
           <a:p>
             <a:fld id="{23444223-8658-487B-98EA-2EADF90CE8F2}" type="datetimeFigureOut">
               <a:rPr lang="es-ES" smtClean="0"/>
-              <a:t>21/05/2019</a:t>
+              <a:t>31/05/2019</a:t>
             </a:fld>
             <a:endParaRPr lang="es-ES"/>
           </a:p>
@@ -1827,7 +1815,7 @@
           <a:p>
             <a:fld id="{23444223-8658-487B-98EA-2EADF90CE8F2}" type="datetimeFigureOut">
               <a:rPr lang="es-ES" smtClean="0"/>
-              <a:t>21/05/2019</a:t>
+              <a:t>31/05/2019</a:t>
             </a:fld>
             <a:endParaRPr lang="es-ES"/>
           </a:p>
@@ -1968,7 +1956,7 @@
           <a:p>
             <a:fld id="{23444223-8658-487B-98EA-2EADF90CE8F2}" type="datetimeFigureOut">
               <a:rPr lang="es-ES" smtClean="0"/>
-              <a:t>21/05/2019</a:t>
+              <a:t>31/05/2019</a:t>
             </a:fld>
             <a:endParaRPr lang="es-ES"/>
           </a:p>
@@ -2081,7 +2069,7 @@
           <a:p>
             <a:fld id="{23444223-8658-487B-98EA-2EADF90CE8F2}" type="datetimeFigureOut">
               <a:rPr lang="es-ES" smtClean="0"/>
-              <a:t>21/05/2019</a:t>
+              <a:t>31/05/2019</a:t>
             </a:fld>
             <a:endParaRPr lang="es-ES"/>
           </a:p>
@@ -2392,7 +2380,7 @@
           <a:p>
             <a:fld id="{23444223-8658-487B-98EA-2EADF90CE8F2}" type="datetimeFigureOut">
               <a:rPr lang="es-ES" smtClean="0"/>
-              <a:t>21/05/2019</a:t>
+              <a:t>31/05/2019</a:t>
             </a:fld>
             <a:endParaRPr lang="es-ES"/>
           </a:p>
@@ -2680,7 +2668,7 @@
           <a:p>
             <a:fld id="{23444223-8658-487B-98EA-2EADF90CE8F2}" type="datetimeFigureOut">
               <a:rPr lang="es-ES" smtClean="0"/>
-              <a:t>21/05/2019</a:t>
+              <a:t>31/05/2019</a:t>
             </a:fld>
             <a:endParaRPr lang="es-ES"/>
           </a:p>
@@ -2921,7 +2909,7 @@
           <a:p>
             <a:fld id="{23444223-8658-487B-98EA-2EADF90CE8F2}" type="datetimeFigureOut">
               <a:rPr lang="es-ES" smtClean="0"/>
-              <a:t>21/05/2019</a:t>
+              <a:t>31/05/2019</a:t>
             </a:fld>
             <a:endParaRPr lang="es-ES"/>
           </a:p>
@@ -3340,10 +3328,10 @@
       </p:grpSpPr>
       <p:sp>
         <p:nvSpPr>
-          <p:cNvPr id="4" name="Rectángulo 3">
-            <a:extLst>
-              <a:ext uri="{FF2B5EF4-FFF2-40B4-BE49-F238E27FC236}">
-                <a16:creationId xmlns:a16="http://schemas.microsoft.com/office/drawing/2014/main" id="{EC4B9E33-76FF-4676-89F3-8024B62E610C}"/>
+          <p:cNvPr id="14" name="Rectángulo 13">
+            <a:extLst>
+              <a:ext uri="{FF2B5EF4-FFF2-40B4-BE49-F238E27FC236}">
+                <a16:creationId xmlns:a16="http://schemas.microsoft.com/office/drawing/2014/main" id="{82FAB5E4-2BC6-43F1-85D7-933A40DEFBC4}"/>
               </a:ext>
             </a:extLst>
           </p:cNvPr>
@@ -3352,8 +3340,8 @@
         </p:nvSpPr>
         <p:spPr>
           <a:xfrm>
-            <a:off x="0" y="0"/>
-            <a:ext cx="12192000" cy="6858000"/>
+            <a:off x="0" y="5904710"/>
+            <a:ext cx="12192000" cy="953290"/>
           </a:xfrm>
           <a:prstGeom prst="rect">
             <a:avLst/>
@@ -3361,175 +3349,6 @@
           <a:solidFill>
             <a:schemeClr val="tx1"/>
           </a:solidFill>
-        </p:spPr>
-        <p:style>
-          <a:lnRef idx="2">
-            <a:schemeClr val="accent1">
-              <a:shade val="50000"/>
-            </a:schemeClr>
-          </a:lnRef>
-          <a:fillRef idx="1">
-            <a:schemeClr val="accent1"/>
-          </a:fillRef>
-          <a:effectRef idx="0">
-            <a:schemeClr val="accent1"/>
-          </a:effectRef>
-          <a:fontRef idx="minor">
-            <a:schemeClr val="lt1"/>
-          </a:fontRef>
-        </p:style>
-        <p:txBody>
-          <a:bodyPr rtlCol="0" anchor="ctr"/>
-          <a:lstStyle/>
-          <a:p>
-            <a:pPr algn="ctr"/>
-            <a:r>
-              <a:rPr lang="es-ES" dirty="0">
-                <a:solidFill>
-                  <a:schemeClr val="bg1"/>
-                </a:solidFill>
-                <a:latin typeface="Algerian" panose="04020705040A02060702" pitchFamily="82" charset="0"/>
-              </a:rPr>
-              <a:t>Tras volver a casa, </a:t>
-            </a:r>
-            <a:r>
-              <a:rPr lang="es-ES" dirty="0" err="1">
-                <a:solidFill>
-                  <a:schemeClr val="bg1"/>
-                </a:solidFill>
-                <a:latin typeface="Algerian" panose="04020705040A02060702" pitchFamily="82" charset="0"/>
-              </a:rPr>
-              <a:t>alex</a:t>
-            </a:r>
-            <a:r>
-              <a:rPr lang="es-ES" dirty="0">
-                <a:solidFill>
-                  <a:schemeClr val="bg1"/>
-                </a:solidFill>
-                <a:latin typeface="Algerian" panose="04020705040A02060702" pitchFamily="82" charset="0"/>
-              </a:rPr>
-              <a:t> se encerró en su cuarto para pensar </a:t>
-            </a:r>
-          </a:p>
-          <a:p>
-            <a:pPr algn="ctr"/>
-            <a:r>
-              <a:rPr lang="es-ES" dirty="0">
-                <a:solidFill>
-                  <a:schemeClr val="bg1"/>
-                </a:solidFill>
-                <a:latin typeface="Algerian" panose="04020705040A02060702" pitchFamily="82" charset="0"/>
-              </a:rPr>
-              <a:t>cuál podría ser el reto del demonio</a:t>
-            </a:r>
-          </a:p>
-          <a:p>
-            <a:pPr algn="ctr"/>
-            <a:endParaRPr lang="es-ES" dirty="0">
-              <a:solidFill>
-                <a:schemeClr val="bg1"/>
-              </a:solidFill>
-              <a:latin typeface="Algerian" panose="04020705040A02060702" pitchFamily="82" charset="0"/>
-            </a:endParaRPr>
-          </a:p>
-          <a:p>
-            <a:pPr algn="ctr"/>
-            <a:r>
-              <a:rPr lang="es-ES" dirty="0">
-                <a:solidFill>
-                  <a:schemeClr val="bg1"/>
-                </a:solidFill>
-                <a:latin typeface="Algerian" panose="04020705040A02060702" pitchFamily="82" charset="0"/>
-              </a:rPr>
-              <a:t>Esa noche, tras comprobar que su madre estaba dormida, </a:t>
-            </a:r>
-          </a:p>
-          <a:p>
-            <a:pPr algn="ctr"/>
-            <a:r>
-              <a:rPr lang="es-ES" dirty="0">
-                <a:solidFill>
-                  <a:schemeClr val="bg1"/>
-                </a:solidFill>
-                <a:latin typeface="Algerian" panose="04020705040A02060702" pitchFamily="82" charset="0"/>
-              </a:rPr>
-              <a:t>salió en dirección al cementerio</a:t>
-            </a:r>
-          </a:p>
-          <a:p>
-            <a:pPr algn="ctr"/>
-            <a:endParaRPr lang="es-ES" dirty="0">
-              <a:solidFill>
-                <a:schemeClr val="bg1"/>
-              </a:solidFill>
-              <a:latin typeface="Algerian" panose="04020705040A02060702" pitchFamily="82" charset="0"/>
-            </a:endParaRPr>
-          </a:p>
-          <a:p>
-            <a:pPr algn="ctr"/>
-            <a:r>
-              <a:rPr lang="es-ES" dirty="0">
-                <a:solidFill>
-                  <a:schemeClr val="bg1"/>
-                </a:solidFill>
-                <a:latin typeface="Algerian" panose="04020705040A02060702" pitchFamily="82" charset="0"/>
-              </a:rPr>
-              <a:t>¿Podrá nuestra protagonista salvar a su padre?</a:t>
-            </a:r>
-          </a:p>
-        </p:txBody>
-      </p:sp>
-    </p:spTree>
-    <p:extLst>
-      <p:ext uri="{BB962C8B-B14F-4D97-AF65-F5344CB8AC3E}">
-        <p14:creationId xmlns:p14="http://schemas.microsoft.com/office/powerpoint/2010/main" val="3044435070"/>
-      </p:ext>
-    </p:extLst>
-  </p:cSld>
-  <p:clrMapOvr>
-    <a:masterClrMapping/>
-  </p:clrMapOvr>
-</p:sld>
-</file>
-
-<file path=ppt/slides/slide10.xml><?xml version="1.0" encoding="utf-8"?>
-<p:sld xmlns:a="http://schemas.openxmlformats.org/drawingml/2006/main" xmlns:r="http://schemas.openxmlformats.org/officeDocument/2006/relationships" xmlns:p="http://schemas.openxmlformats.org/presentationml/2006/main">
-  <p:cSld>
-    <p:spTree>
-      <p:nvGrpSpPr>
-        <p:cNvPr id="1" name=""/>
-        <p:cNvGrpSpPr/>
-        <p:nvPr/>
-      </p:nvGrpSpPr>
-      <p:grpSpPr>
-        <a:xfrm>
-          <a:off x="0" y="0"/>
-          <a:ext cx="0" cy="0"/>
-          <a:chOff x="0" y="0"/>
-          <a:chExt cx="0" cy="0"/>
-        </a:xfrm>
-      </p:grpSpPr>
-      <p:sp>
-        <p:nvSpPr>
-          <p:cNvPr id="6" name="Rectángulo: esquinas superiores redondeadas 5">
-            <a:extLst>
-              <a:ext uri="{FF2B5EF4-FFF2-40B4-BE49-F238E27FC236}">
-                <a16:creationId xmlns:a16="http://schemas.microsoft.com/office/drawing/2014/main" id="{20062AB2-0628-4FFD-9B80-793FEDC74786}"/>
-              </a:ext>
-            </a:extLst>
-          </p:cNvPr>
-          <p:cNvSpPr/>
-          <p:nvPr/>
-        </p:nvSpPr>
-        <p:spPr>
-          <a:xfrm>
-            <a:off x="581672" y="247650"/>
-            <a:ext cx="11106150" cy="981075"/>
-          </a:xfrm>
-          <a:prstGeom prst="round2SameRect">
-            <a:avLst/>
-          </a:prstGeom>
-          <a:noFill/>
           <a:ln>
             <a:solidFill>
               <a:schemeClr val="tx1"/>
@@ -3557,53 +3376,16 @@
           <a:lstStyle/>
           <a:p>
             <a:pPr algn="ctr"/>
-            <a:r>
-              <a:rPr lang="es-ES" dirty="0">
-                <a:solidFill>
-                  <a:schemeClr val="tx1"/>
-                </a:solidFill>
-              </a:rPr>
-              <a:t>Papá: Lo se, pequeña. Para mí también es duro...pero he de marcharme. Te quiero mucho.</a:t>
-            </a:r>
-          </a:p>
-        </p:txBody>
-      </p:sp>
-    </p:spTree>
-    <p:extLst>
-      <p:ext uri="{BB962C8B-B14F-4D97-AF65-F5344CB8AC3E}">
-        <p14:creationId xmlns:p14="http://schemas.microsoft.com/office/powerpoint/2010/main" val="1478467321"/>
-      </p:ext>
-    </p:extLst>
-  </p:cSld>
-  <p:clrMapOvr>
-    <a:masterClrMapping/>
-  </p:clrMapOvr>
-</p:sld>
-</file>
-
-<file path=ppt/slides/slide11.xml><?xml version="1.0" encoding="utf-8"?>
-<p:sld xmlns:a="http://schemas.openxmlformats.org/drawingml/2006/main" xmlns:r="http://schemas.openxmlformats.org/officeDocument/2006/relationships" xmlns:p="http://schemas.openxmlformats.org/presentationml/2006/main">
-  <p:cSld>
-    <p:spTree>
-      <p:nvGrpSpPr>
-        <p:cNvPr id="1" name=""/>
-        <p:cNvGrpSpPr/>
-        <p:nvPr/>
-      </p:nvGrpSpPr>
-      <p:grpSpPr>
-        <a:xfrm>
-          <a:off x="0" y="0"/>
-          <a:ext cx="0" cy="0"/>
-          <a:chOff x="0" y="0"/>
-          <a:chExt cx="0" cy="0"/>
-        </a:xfrm>
-      </p:grpSpPr>
-      <p:sp>
-        <p:nvSpPr>
-          <p:cNvPr id="6" name="Rectángulo: esquinas superiores redondeadas 5">
-            <a:extLst>
-              <a:ext uri="{FF2B5EF4-FFF2-40B4-BE49-F238E27FC236}">
-                <a16:creationId xmlns:a16="http://schemas.microsoft.com/office/drawing/2014/main" id="{20062AB2-0628-4FFD-9B80-793FEDC74786}"/>
+            <a:endParaRPr lang="es-ES"/>
+          </a:p>
+        </p:txBody>
+      </p:sp>
+      <p:sp>
+        <p:nvSpPr>
+          <p:cNvPr id="13" name="Rectángulo 12">
+            <a:extLst>
+              <a:ext uri="{FF2B5EF4-FFF2-40B4-BE49-F238E27FC236}">
+                <a16:creationId xmlns:a16="http://schemas.microsoft.com/office/drawing/2014/main" id="{24963E7E-68D3-4935-AAD3-CFCA4227D25D}"/>
               </a:ext>
             </a:extLst>
           </p:cNvPr>
@@ -3612,13 +3394,15 @@
         </p:nvSpPr>
         <p:spPr>
           <a:xfrm>
-            <a:off x="581672" y="247650"/>
-            <a:ext cx="11106150" cy="981075"/>
+            <a:off x="0" y="4128117"/>
+            <a:ext cx="12192000" cy="1785471"/>
           </a:xfrm>
-          <a:prstGeom prst="round2SameRect">
+          <a:prstGeom prst="rect">
             <a:avLst/>
           </a:prstGeom>
-          <a:noFill/>
+          <a:solidFill>
+            <a:schemeClr val="tx1"/>
+          </a:solidFill>
           <a:ln>
             <a:solidFill>
               <a:schemeClr val="tx1"/>
@@ -3647,52 +3431,37 @@
           <a:p>
             <a:pPr algn="ctr"/>
             <a:r>
-              <a:rPr lang="es-ES" dirty="0">
-                <a:solidFill>
-                  <a:schemeClr val="tx1"/>
-                </a:solidFill>
-              </a:rPr>
-              <a:t>Alex: Y yo a ti papá…</a:t>
-            </a:r>
-          </a:p>
-        </p:txBody>
-      </p:sp>
-    </p:spTree>
-    <p:extLst>
-      <p:ext uri="{BB962C8B-B14F-4D97-AF65-F5344CB8AC3E}">
-        <p14:creationId xmlns:p14="http://schemas.microsoft.com/office/powerpoint/2010/main" val="2326404325"/>
-      </p:ext>
-    </p:extLst>
-  </p:cSld>
-  <p:clrMapOvr>
-    <a:masterClrMapping/>
-  </p:clrMapOvr>
-</p:sld>
-</file>
-
-<file path=ppt/slides/slide12.xml><?xml version="1.0" encoding="utf-8"?>
-<p:sld xmlns:a="http://schemas.openxmlformats.org/drawingml/2006/main" xmlns:r="http://schemas.openxmlformats.org/officeDocument/2006/relationships" xmlns:p="http://schemas.openxmlformats.org/presentationml/2006/main">
-  <p:cSld>
-    <p:spTree>
-      <p:nvGrpSpPr>
-        <p:cNvPr id="1" name=""/>
-        <p:cNvGrpSpPr/>
-        <p:nvPr/>
-      </p:nvGrpSpPr>
-      <p:grpSpPr>
-        <a:xfrm>
-          <a:off x="0" y="0"/>
-          <a:ext cx="0" cy="0"/>
-          <a:chOff x="0" y="0"/>
-          <a:chExt cx="0" cy="0"/>
-        </a:xfrm>
-      </p:grpSpPr>
-      <p:sp>
-        <p:nvSpPr>
-          <p:cNvPr id="6" name="Rectángulo: esquinas superiores redondeadas 5">
-            <a:extLst>
-              <a:ext uri="{FF2B5EF4-FFF2-40B4-BE49-F238E27FC236}">
-                <a16:creationId xmlns:a16="http://schemas.microsoft.com/office/drawing/2014/main" id="{20062AB2-0628-4FFD-9B80-793FEDC74786}"/>
+              <a:rPr lang="es-ES" dirty="0"/>
+              <a:t>Si en algún momento no tenéis claro donde tenéis que ir o donde se desarrolla la siguiente parte </a:t>
+            </a:r>
+          </a:p>
+          <a:p>
+            <a:pPr algn="ctr"/>
+            <a:r>
+              <a:rPr lang="es-ES" dirty="0"/>
+              <a:t>de la historia, podéis consultar el </a:t>
+            </a:r>
+            <a:r>
+              <a:rPr lang="es-ES" dirty="0" err="1"/>
+              <a:t>minimapa</a:t>
+            </a:r>
+            <a:r>
+              <a:rPr lang="es-ES" dirty="0"/>
+              <a:t>, en el que se indicará donde tenéis que ir para continuar.</a:t>
+            </a:r>
+          </a:p>
+          <a:p>
+            <a:pPr algn="ctr"/>
+            <a:endParaRPr lang="es-ES" dirty="0"/>
+          </a:p>
+        </p:txBody>
+      </p:sp>
+      <p:sp>
+        <p:nvSpPr>
+          <p:cNvPr id="12" name="Rectángulo 11">
+            <a:extLst>
+              <a:ext uri="{FF2B5EF4-FFF2-40B4-BE49-F238E27FC236}">
+                <a16:creationId xmlns:a16="http://schemas.microsoft.com/office/drawing/2014/main" id="{B1670400-0F40-4822-B1DA-CA413412142D}"/>
               </a:ext>
             </a:extLst>
           </p:cNvPr>
@@ -3701,13 +3470,15 @@
         </p:nvSpPr>
         <p:spPr>
           <a:xfrm>
-            <a:off x="581672" y="247650"/>
-            <a:ext cx="11106150" cy="981075"/>
+            <a:off x="0" y="2877941"/>
+            <a:ext cx="12192000" cy="1250175"/>
           </a:xfrm>
-          <a:prstGeom prst="round2SameRect">
+          <a:prstGeom prst="rect">
             <a:avLst/>
           </a:prstGeom>
-          <a:noFill/>
+          <a:solidFill>
+            <a:schemeClr val="tx1"/>
+          </a:solidFill>
           <a:ln>
             <a:solidFill>
               <a:schemeClr val="tx1"/>
@@ -3736,52 +3507,64 @@
           <a:p>
             <a:pPr algn="ctr"/>
             <a:r>
-              <a:rPr lang="es-ES" dirty="0">
-                <a:solidFill>
-                  <a:schemeClr val="tx1"/>
-                </a:solidFill>
-              </a:rPr>
-              <a:t>Papá: Espero que de vez en cuando vayas a ver nuestro pequeño árbol y te acuerdes de mí. Adiós, Alex.</a:t>
-            </a:r>
-          </a:p>
-        </p:txBody>
-      </p:sp>
-    </p:spTree>
-    <p:extLst>
-      <p:ext uri="{BB962C8B-B14F-4D97-AF65-F5344CB8AC3E}">
-        <p14:creationId xmlns:p14="http://schemas.microsoft.com/office/powerpoint/2010/main" val="1137999478"/>
-      </p:ext>
-    </p:extLst>
-  </p:cSld>
-  <p:clrMapOvr>
-    <a:masterClrMapping/>
-  </p:clrMapOvr>
-</p:sld>
-</file>
-
-<file path=ppt/slides/slide13.xml><?xml version="1.0" encoding="utf-8"?>
-<p:sld xmlns:a="http://schemas.openxmlformats.org/drawingml/2006/main" xmlns:r="http://schemas.openxmlformats.org/officeDocument/2006/relationships" xmlns:p="http://schemas.openxmlformats.org/presentationml/2006/main">
-  <p:cSld>
-    <p:spTree>
-      <p:nvGrpSpPr>
-        <p:cNvPr id="1" name=""/>
-        <p:cNvGrpSpPr/>
-        <p:nvPr/>
-      </p:nvGrpSpPr>
-      <p:grpSpPr>
-        <a:xfrm>
-          <a:off x="0" y="0"/>
-          <a:ext cx="0" cy="0"/>
-          <a:chOff x="0" y="0"/>
-          <a:chExt cx="0" cy="0"/>
-        </a:xfrm>
-      </p:grpSpPr>
-      <p:sp>
-        <p:nvSpPr>
-          <p:cNvPr id="4" name="Rectángulo 3">
-            <a:extLst>
-              <a:ext uri="{FF2B5EF4-FFF2-40B4-BE49-F238E27FC236}">
-                <a16:creationId xmlns:a16="http://schemas.microsoft.com/office/drawing/2014/main" id="{EC4B9E33-76FF-4676-89F3-8024B62E610C}"/>
+              <a:rPr lang="es-ES" dirty="0"/>
+              <a:t>En este “mundo abierto” encontraréis otros personajes que habitan en él. Podréis interactuar </a:t>
+            </a:r>
+          </a:p>
+          <a:p>
+            <a:pPr algn="ctr"/>
+            <a:r>
+              <a:rPr lang="es-ES" dirty="0"/>
+              <a:t>con ellos si, al acercaros lo suficiente, aparece un pequeño bocadillo con una exclamación en su interior </a:t>
+            </a:r>
+          </a:p>
+          <a:p>
+            <a:pPr algn="ctr"/>
+            <a:endParaRPr lang="es-ES" dirty="0"/>
+          </a:p>
+        </p:txBody>
+      </p:sp>
+      <p:pic>
+        <p:nvPicPr>
+          <p:cNvPr id="6" name="Imagen 5">
+            <a:extLst>
+              <a:ext uri="{FF2B5EF4-FFF2-40B4-BE49-F238E27FC236}">
+                <a16:creationId xmlns:a16="http://schemas.microsoft.com/office/drawing/2014/main" id="{C151A723-49CC-456E-A899-B2948C63BCDC}"/>
+              </a:ext>
+            </a:extLst>
+          </p:cNvPr>
+          <p:cNvPicPr>
+            <a:picLocks noChangeAspect="1"/>
+          </p:cNvPicPr>
+          <p:nvPr/>
+        </p:nvPicPr>
+        <p:blipFill rotWithShape="1">
+          <a:blip r:embed="rId2">
+            <a:extLst>
+              <a:ext uri="{28A0092B-C50C-407E-A947-70E740481C1C}">
+                <a14:useLocalDpi xmlns:a14="http://schemas.microsoft.com/office/drawing/2010/main" val="0"/>
+              </a:ext>
+            </a:extLst>
+          </a:blip>
+          <a:srcRect t="15405" b="65871"/>
+          <a:stretch/>
+        </p:blipFill>
+        <p:spPr>
+          <a:xfrm>
+            <a:off x="0" y="1798000"/>
+            <a:ext cx="12192000" cy="1284119"/>
+          </a:xfrm>
+          <a:prstGeom prst="rect">
+            <a:avLst/>
+          </a:prstGeom>
+        </p:spPr>
+      </p:pic>
+      <p:sp>
+        <p:nvSpPr>
+          <p:cNvPr id="8" name="Rectángulo 7">
+            <a:extLst>
+              <a:ext uri="{FF2B5EF4-FFF2-40B4-BE49-F238E27FC236}">
+                <a16:creationId xmlns:a16="http://schemas.microsoft.com/office/drawing/2014/main" id="{2C243113-05B3-404A-83FD-4CD9477AA111}"/>
               </a:ext>
             </a:extLst>
           </p:cNvPr>
@@ -3790,8 +3573,8 @@
         </p:nvSpPr>
         <p:spPr>
           <a:xfrm>
-            <a:off x="0" y="0"/>
-            <a:ext cx="12192000" cy="6858000"/>
+            <a:off x="3543670" y="3918193"/>
+            <a:ext cx="5104660" cy="497149"/>
           </a:xfrm>
           <a:prstGeom prst="rect">
             <a:avLst/>
@@ -3799,202 +3582,6 @@
           <a:solidFill>
             <a:schemeClr val="tx1"/>
           </a:solidFill>
-        </p:spPr>
-        <p:style>
-          <a:lnRef idx="2">
-            <a:schemeClr val="accent1">
-              <a:shade val="50000"/>
-            </a:schemeClr>
-          </a:lnRef>
-          <a:fillRef idx="1">
-            <a:schemeClr val="accent1"/>
-          </a:fillRef>
-          <a:effectRef idx="0">
-            <a:schemeClr val="accent1"/>
-          </a:effectRef>
-          <a:fontRef idx="minor">
-            <a:schemeClr val="lt1"/>
-          </a:fontRef>
-        </p:style>
-        <p:txBody>
-          <a:bodyPr rtlCol="0" anchor="ctr"/>
-          <a:lstStyle/>
-          <a:p>
-            <a:pPr algn="ctr"/>
-            <a:r>
-              <a:rPr lang="es-ES" dirty="0">
-                <a:solidFill>
-                  <a:schemeClr val="bg1"/>
-                </a:solidFill>
-                <a:latin typeface="Algerian" panose="04020705040A02060702" pitchFamily="82" charset="0"/>
-              </a:rPr>
-              <a:t>Tras salvar a su padre, </a:t>
-            </a:r>
-            <a:r>
-              <a:rPr lang="es-ES" dirty="0" err="1">
-                <a:solidFill>
-                  <a:schemeClr val="bg1"/>
-                </a:solidFill>
-                <a:latin typeface="Algerian" panose="04020705040A02060702" pitchFamily="82" charset="0"/>
-              </a:rPr>
-              <a:t>alex</a:t>
-            </a:r>
-            <a:r>
-              <a:rPr lang="es-ES" dirty="0">
-                <a:solidFill>
-                  <a:schemeClr val="bg1"/>
-                </a:solidFill>
-                <a:latin typeface="Algerian" panose="04020705040A02060702" pitchFamily="82" charset="0"/>
-              </a:rPr>
-              <a:t> le cogió el gustillo a los juegos arcade.</a:t>
-            </a:r>
-          </a:p>
-          <a:p>
-            <a:pPr algn="ctr"/>
-            <a:endParaRPr lang="es-ES" dirty="0">
-              <a:solidFill>
-                <a:schemeClr val="bg1"/>
-              </a:solidFill>
-              <a:latin typeface="Algerian" panose="04020705040A02060702" pitchFamily="82" charset="0"/>
-            </a:endParaRPr>
-          </a:p>
-          <a:p>
-            <a:pPr algn="ctr"/>
-            <a:r>
-              <a:rPr lang="es-ES" dirty="0">
-                <a:solidFill>
-                  <a:schemeClr val="bg1"/>
-                </a:solidFill>
-                <a:latin typeface="Algerian" panose="04020705040A02060702" pitchFamily="82" charset="0"/>
-              </a:rPr>
-              <a:t>Restauró completamente la </a:t>
-            </a:r>
-            <a:r>
-              <a:rPr lang="es-ES" dirty="0" err="1">
-                <a:solidFill>
-                  <a:schemeClr val="bg1"/>
-                </a:solidFill>
-                <a:latin typeface="Algerian" panose="04020705040A02060702" pitchFamily="82" charset="0"/>
-              </a:rPr>
-              <a:t>atari</a:t>
-            </a:r>
-            <a:r>
-              <a:rPr lang="es-ES" dirty="0">
-                <a:solidFill>
-                  <a:schemeClr val="bg1"/>
-                </a:solidFill>
-                <a:latin typeface="Algerian" panose="04020705040A02060702" pitchFamily="82" charset="0"/>
-              </a:rPr>
-              <a:t> de la buhardilla y durante la carrera diseño numerosos juegos de ese estilo</a:t>
-            </a:r>
-          </a:p>
-          <a:p>
-            <a:pPr algn="ctr"/>
-            <a:endParaRPr lang="es-ES" dirty="0">
-              <a:solidFill>
-                <a:schemeClr val="bg1"/>
-              </a:solidFill>
-              <a:latin typeface="Algerian" panose="04020705040A02060702" pitchFamily="82" charset="0"/>
-            </a:endParaRPr>
-          </a:p>
-          <a:p>
-            <a:pPr algn="ctr"/>
-            <a:r>
-              <a:rPr lang="es-ES" dirty="0">
-                <a:solidFill>
-                  <a:schemeClr val="bg1"/>
-                </a:solidFill>
-                <a:latin typeface="Algerian" panose="04020705040A02060702" pitchFamily="82" charset="0"/>
-              </a:rPr>
-              <a:t>Cuando Terminó de estudiar, abrió su propia zona de recreativos DONDE VE, </a:t>
-            </a:r>
-          </a:p>
-          <a:p>
-            <a:pPr algn="ctr"/>
-            <a:r>
-              <a:rPr lang="es-ES" dirty="0">
-                <a:solidFill>
-                  <a:schemeClr val="bg1"/>
-                </a:solidFill>
-                <a:latin typeface="Algerian" panose="04020705040A02060702" pitchFamily="82" charset="0"/>
-              </a:rPr>
-              <a:t>JUNTO A SU MADRE, COMO OTROS CIENTOS DE NIÑOS DISFRUTAN DE LA EXPERIENCIA</a:t>
-            </a:r>
-          </a:p>
-          <a:p>
-            <a:pPr algn="ctr"/>
-            <a:endParaRPr lang="es-ES" dirty="0">
-              <a:solidFill>
-                <a:schemeClr val="bg1"/>
-              </a:solidFill>
-              <a:latin typeface="Algerian" panose="04020705040A02060702" pitchFamily="82" charset="0"/>
-            </a:endParaRPr>
-          </a:p>
-          <a:p>
-            <a:pPr algn="ctr"/>
-            <a:r>
-              <a:rPr lang="es-ES" sz="2800" dirty="0">
-                <a:solidFill>
-                  <a:schemeClr val="bg1"/>
-                </a:solidFill>
-                <a:latin typeface="Algerian" panose="04020705040A02060702" pitchFamily="82" charset="0"/>
-              </a:rPr>
-              <a:t>FIN DEL JUEGO</a:t>
-            </a:r>
-          </a:p>
-        </p:txBody>
-      </p:sp>
-    </p:spTree>
-    <p:extLst>
-      <p:ext uri="{BB962C8B-B14F-4D97-AF65-F5344CB8AC3E}">
-        <p14:creationId xmlns:p14="http://schemas.microsoft.com/office/powerpoint/2010/main" val="1831780859"/>
-      </p:ext>
-    </p:extLst>
-  </p:cSld>
-  <p:clrMapOvr>
-    <a:masterClrMapping/>
-  </p:clrMapOvr>
-</p:sld>
-</file>
-
-<file path=ppt/slides/slide2.xml><?xml version="1.0" encoding="utf-8"?>
-<p:sld xmlns:a="http://schemas.openxmlformats.org/drawingml/2006/main" xmlns:r="http://schemas.openxmlformats.org/officeDocument/2006/relationships" xmlns:p="http://schemas.openxmlformats.org/presentationml/2006/main">
-  <p:cSld>
-    <p:spTree>
-      <p:nvGrpSpPr>
-        <p:cNvPr id="1" name=""/>
-        <p:cNvGrpSpPr/>
-        <p:nvPr/>
-      </p:nvGrpSpPr>
-      <p:grpSpPr>
-        <a:xfrm>
-          <a:off x="0" y="0"/>
-          <a:ext cx="0" cy="0"/>
-          <a:chOff x="0" y="0"/>
-          <a:chExt cx="0" cy="0"/>
-        </a:xfrm>
-      </p:grpSpPr>
-      <p:sp>
-        <p:nvSpPr>
-          <p:cNvPr id="6" name="Rectángulo: esquinas superiores redondeadas 5">
-            <a:extLst>
-              <a:ext uri="{FF2B5EF4-FFF2-40B4-BE49-F238E27FC236}">
-                <a16:creationId xmlns:a16="http://schemas.microsoft.com/office/drawing/2014/main" id="{20062AB2-0628-4FFD-9B80-793FEDC74786}"/>
-              </a:ext>
-            </a:extLst>
-          </p:cNvPr>
-          <p:cNvSpPr/>
-          <p:nvPr/>
-        </p:nvSpPr>
-        <p:spPr>
-          <a:xfrm>
-            <a:off x="581672" y="247650"/>
-            <a:ext cx="11106150" cy="981075"/>
-          </a:xfrm>
-          <a:prstGeom prst="round2SameRect">
-            <a:avLst/>
-          </a:prstGeom>
-          <a:noFill/>
           <a:ln>
             <a:solidFill>
               <a:schemeClr val="tx1"/>
@@ -4024,51 +3611,29 @@
             <a:pPr algn="ctr"/>
             <a:r>
               <a:rPr lang="es-ES" dirty="0">
-                <a:solidFill>
-                  <a:schemeClr val="tx1"/>
-                </a:solidFill>
+                <a:latin typeface="Algerian" panose="04020705040A02060702" pitchFamily="82" charset="0"/>
               </a:rPr>
-              <a:t>Papá: ¡NO! ¡No lo hagas Alex!</a:t>
-            </a:r>
-          </a:p>
-        </p:txBody>
-      </p:sp>
-    </p:spTree>
-    <p:extLst>
-      <p:ext uri="{BB962C8B-B14F-4D97-AF65-F5344CB8AC3E}">
-        <p14:creationId xmlns:p14="http://schemas.microsoft.com/office/powerpoint/2010/main" val="2358897549"/>
-      </p:ext>
-    </p:extLst>
-  </p:cSld>
-  <p:clrMapOvr>
-    <a:masterClrMapping/>
-  </p:clrMapOvr>
-</p:sld>
-</file>
-
-<file path=ppt/slides/slide3.xml><?xml version="1.0" encoding="utf-8"?>
-<p:sld xmlns:a="http://schemas.openxmlformats.org/drawingml/2006/main" xmlns:r="http://schemas.openxmlformats.org/officeDocument/2006/relationships" xmlns:p="http://schemas.openxmlformats.org/presentationml/2006/main">
-  <p:cSld>
-    <p:spTree>
-      <p:nvGrpSpPr>
-        <p:cNvPr id="1" name=""/>
-        <p:cNvGrpSpPr/>
-        <p:nvPr/>
-      </p:nvGrpSpPr>
-      <p:grpSpPr>
-        <a:xfrm>
-          <a:off x="0" y="0"/>
-          <a:ext cx="0" cy="0"/>
-          <a:chOff x="0" y="0"/>
-          <a:chExt cx="0" cy="0"/>
-        </a:xfrm>
-      </p:grpSpPr>
-      <p:sp>
-        <p:nvSpPr>
-          <p:cNvPr id="2" name="Rectángulo 1">
-            <a:extLst>
-              <a:ext uri="{FF2B5EF4-FFF2-40B4-BE49-F238E27FC236}">
-                <a16:creationId xmlns:a16="http://schemas.microsoft.com/office/drawing/2014/main" id="{95E35892-20AD-4452-93C9-4B7E38FB549F}"/>
+              <a:t>[e]      </a:t>
+            </a:r>
+            <a:r>
+              <a:rPr lang="es-ES" dirty="0">
+                <a:latin typeface="Algerian" panose="04020705040A02060702" pitchFamily="82" charset="0"/>
+                <a:sym typeface="Wingdings" panose="05000000000000000000" pitchFamily="2" charset="2"/>
+              </a:rPr>
+              <a:t>      INTERACTUAR CON PERSONAJES</a:t>
+            </a:r>
+            <a:endParaRPr lang="es-ES" dirty="0">
+              <a:latin typeface="Algerian" panose="04020705040A02060702" pitchFamily="82" charset="0"/>
+            </a:endParaRPr>
+          </a:p>
+        </p:txBody>
+      </p:sp>
+      <p:sp>
+        <p:nvSpPr>
+          <p:cNvPr id="9" name="Rectángulo 8">
+            <a:extLst>
+              <a:ext uri="{FF2B5EF4-FFF2-40B4-BE49-F238E27FC236}">
+                <a16:creationId xmlns:a16="http://schemas.microsoft.com/office/drawing/2014/main" id="{412259A9-6D2F-439B-9605-4C70B24C42C9}"/>
               </a:ext>
             </a:extLst>
           </p:cNvPr>
@@ -4077,8 +3642,8 @@
         </p:nvSpPr>
         <p:spPr>
           <a:xfrm>
-            <a:off x="0" y="0"/>
-            <a:ext cx="12192000" cy="6858000"/>
+            <a:off x="3543670" y="5362666"/>
+            <a:ext cx="5104660" cy="497149"/>
           </a:xfrm>
           <a:prstGeom prst="rect">
             <a:avLst/>
@@ -4086,53 +3651,6 @@
           <a:solidFill>
             <a:schemeClr val="tx1"/>
           </a:solidFill>
-        </p:spPr>
-        <p:style>
-          <a:lnRef idx="2">
-            <a:schemeClr val="accent1">
-              <a:shade val="50000"/>
-            </a:schemeClr>
-          </a:lnRef>
-          <a:fillRef idx="1">
-            <a:schemeClr val="accent1"/>
-          </a:fillRef>
-          <a:effectRef idx="0">
-            <a:schemeClr val="accent1"/>
-          </a:effectRef>
-          <a:fontRef idx="minor">
-            <a:schemeClr val="lt1"/>
-          </a:fontRef>
-        </p:style>
-        <p:txBody>
-          <a:bodyPr rtlCol="0" anchor="ctr"/>
-          <a:lstStyle/>
-          <a:p>
-            <a:pPr algn="ctr"/>
-            <a:endParaRPr lang="es-ES"/>
-          </a:p>
-        </p:txBody>
-      </p:sp>
-      <p:sp>
-        <p:nvSpPr>
-          <p:cNvPr id="6" name="Rectángulo: esquinas superiores redondeadas 5">
-            <a:extLst>
-              <a:ext uri="{FF2B5EF4-FFF2-40B4-BE49-F238E27FC236}">
-                <a16:creationId xmlns:a16="http://schemas.microsoft.com/office/drawing/2014/main" id="{20062AB2-0628-4FFD-9B80-793FEDC74786}"/>
-              </a:ext>
-            </a:extLst>
-          </p:cNvPr>
-          <p:cNvSpPr/>
-          <p:nvPr/>
-        </p:nvSpPr>
-        <p:spPr>
-          <a:xfrm>
-            <a:off x="542925" y="513868"/>
-            <a:ext cx="11106150" cy="981075"/>
-          </a:xfrm>
-          <a:prstGeom prst="round2SameRect">
-            <a:avLst/>
-          </a:prstGeom>
-          <a:noFill/>
           <a:ln>
             <a:solidFill>
               <a:schemeClr val="tx1"/>
@@ -4161,83 +3679,30 @@
           <a:p>
             <a:pPr algn="ctr"/>
             <a:r>
-              <a:rPr lang="es-ES" sz="3200" dirty="0">
-                <a:solidFill>
-                  <a:schemeClr val="bg1"/>
-                </a:solidFill>
+              <a:rPr lang="es-ES" dirty="0">
                 <a:latin typeface="Algerian" panose="04020705040A02060702" pitchFamily="82" charset="0"/>
               </a:rPr>
-              <a:t>Este será nuestro ultimo encuentro </a:t>
-            </a:r>
-            <a:r>
-              <a:rPr lang="es-ES" sz="3200" dirty="0" err="1">
-                <a:solidFill>
-                  <a:schemeClr val="bg1"/>
-                </a:solidFill>
+              <a:t>[T]      </a:t>
+            </a:r>
+            <a:r>
+              <a:rPr lang="es-ES" dirty="0">
                 <a:latin typeface="Algerian" panose="04020705040A02060702" pitchFamily="82" charset="0"/>
+                <a:sym typeface="Wingdings" panose="05000000000000000000" pitchFamily="2" charset="2"/>
               </a:rPr>
-              <a:t>alex</a:t>
-            </a:r>
-            <a:r>
-              <a:rPr lang="es-ES" sz="3200" dirty="0">
-                <a:solidFill>
-                  <a:schemeClr val="bg1"/>
-                </a:solidFill>
-                <a:latin typeface="Algerian" panose="04020705040A02060702" pitchFamily="82" charset="0"/>
-              </a:rPr>
-              <a:t>… ¿me echarás de menos? </a:t>
-            </a:r>
-          </a:p>
-          <a:p>
-            <a:pPr algn="ctr"/>
-            <a:r>
-              <a:rPr lang="es-ES" sz="3200" dirty="0">
-                <a:solidFill>
-                  <a:schemeClr val="bg1"/>
-                </a:solidFill>
-                <a:latin typeface="Algerian" panose="04020705040A02060702" pitchFamily="82" charset="0"/>
-              </a:rPr>
-              <a:t>HAHAHAHAHAH</a:t>
-            </a:r>
-          </a:p>
-        </p:txBody>
-      </p:sp>
-    </p:spTree>
-    <p:extLst>
-      <p:ext uri="{BB962C8B-B14F-4D97-AF65-F5344CB8AC3E}">
-        <p14:creationId xmlns:p14="http://schemas.microsoft.com/office/powerpoint/2010/main" val="2846648679"/>
-      </p:ext>
-    </p:extLst>
-  </p:cSld>
-  <p:clrMapOvr>
-    <a:masterClrMapping/>
-  </p:clrMapOvr>
-</p:sld>
-</file>
-
-<file path=ppt/slides/slide4.xml><?xml version="1.0" encoding="utf-8"?>
-<p:sld xmlns:a="http://schemas.openxmlformats.org/drawingml/2006/main" xmlns:r="http://schemas.openxmlformats.org/officeDocument/2006/relationships" xmlns:p="http://schemas.openxmlformats.org/presentationml/2006/main">
-  <p:cSld>
-    <p:spTree>
-      <p:nvGrpSpPr>
-        <p:cNvPr id="1" name=""/>
-        <p:cNvGrpSpPr/>
-        <p:nvPr/>
-      </p:nvGrpSpPr>
-      <p:grpSpPr>
-        <a:xfrm>
-          <a:off x="0" y="0"/>
-          <a:ext cx="0" cy="0"/>
-          <a:chOff x="0" y="0"/>
-          <a:chExt cx="0" cy="0"/>
-        </a:xfrm>
-      </p:grpSpPr>
-      <p:sp>
-        <p:nvSpPr>
-          <p:cNvPr id="2" name="Rectángulo 1">
-            <a:extLst>
-              <a:ext uri="{FF2B5EF4-FFF2-40B4-BE49-F238E27FC236}">
-                <a16:creationId xmlns:a16="http://schemas.microsoft.com/office/drawing/2014/main" id="{95E35892-20AD-4452-93C9-4B7E38FB549F}"/>
+              <a:t>      Abrir el mapa</a:t>
+            </a:r>
+            <a:endParaRPr lang="es-ES" dirty="0">
+              <a:latin typeface="Algerian" panose="04020705040A02060702" pitchFamily="82" charset="0"/>
+            </a:endParaRPr>
+          </a:p>
+        </p:txBody>
+      </p:sp>
+      <p:sp>
+        <p:nvSpPr>
+          <p:cNvPr id="10" name="Rectángulo 9">
+            <a:extLst>
+              <a:ext uri="{FF2B5EF4-FFF2-40B4-BE49-F238E27FC236}">
+                <a16:creationId xmlns:a16="http://schemas.microsoft.com/office/drawing/2014/main" id="{CA3DEFA3-30CF-43AC-9521-A8591726604E}"/>
               </a:ext>
             </a:extLst>
           </p:cNvPr>
@@ -4247,7 +3712,7 @@
         <p:spPr>
           <a:xfrm>
             <a:off x="0" y="0"/>
-            <a:ext cx="12192000" cy="6858000"/>
+            <a:ext cx="12192000" cy="1970843"/>
           </a:xfrm>
           <a:prstGeom prst="rect">
             <a:avLst/>
@@ -4255,53 +3720,6 @@
           <a:solidFill>
             <a:schemeClr val="tx1"/>
           </a:solidFill>
-        </p:spPr>
-        <p:style>
-          <a:lnRef idx="2">
-            <a:schemeClr val="accent1">
-              <a:shade val="50000"/>
-            </a:schemeClr>
-          </a:lnRef>
-          <a:fillRef idx="1">
-            <a:schemeClr val="accent1"/>
-          </a:fillRef>
-          <a:effectRef idx="0">
-            <a:schemeClr val="accent1"/>
-          </a:effectRef>
-          <a:fontRef idx="minor">
-            <a:schemeClr val="lt1"/>
-          </a:fontRef>
-        </p:style>
-        <p:txBody>
-          <a:bodyPr rtlCol="0" anchor="ctr"/>
-          <a:lstStyle/>
-          <a:p>
-            <a:pPr algn="ctr"/>
-            <a:endParaRPr lang="es-ES"/>
-          </a:p>
-        </p:txBody>
-      </p:sp>
-      <p:sp>
-        <p:nvSpPr>
-          <p:cNvPr id="6" name="Rectángulo: esquinas superiores redondeadas 5">
-            <a:extLst>
-              <a:ext uri="{FF2B5EF4-FFF2-40B4-BE49-F238E27FC236}">
-                <a16:creationId xmlns:a16="http://schemas.microsoft.com/office/drawing/2014/main" id="{20062AB2-0628-4FFD-9B80-793FEDC74786}"/>
-              </a:ext>
-            </a:extLst>
-          </p:cNvPr>
-          <p:cNvSpPr/>
-          <p:nvPr/>
-        </p:nvSpPr>
-        <p:spPr>
-          <a:xfrm>
-            <a:off x="542925" y="513868"/>
-            <a:ext cx="11106150" cy="981075"/>
-          </a:xfrm>
-          <a:prstGeom prst="round2SameRect">
-            <a:avLst/>
-          </a:prstGeom>
-          <a:noFill/>
           <a:ln>
             <a:solidFill>
               <a:schemeClr val="tx1"/>
@@ -4330,92 +3748,55 @@
           <a:p>
             <a:pPr algn="ctr"/>
             <a:r>
-              <a:rPr lang="es-ES" sz="3200" dirty="0" err="1">
-                <a:solidFill>
-                  <a:schemeClr val="bg1"/>
-                </a:solidFill>
-                <a:latin typeface="Algerian" panose="04020705040A02060702" pitchFamily="82" charset="0"/>
-              </a:rPr>
-              <a:t>Preparate</a:t>
-            </a:r>
-            <a:r>
-              <a:rPr lang="es-ES" sz="3200" dirty="0">
-                <a:solidFill>
-                  <a:schemeClr val="bg1"/>
-                </a:solidFill>
-                <a:latin typeface="Algerian" panose="04020705040A02060702" pitchFamily="82" charset="0"/>
-              </a:rPr>
-              <a:t> para enfrentarte al </a:t>
-            </a:r>
-            <a:r>
-              <a:rPr lang="es-ES" sz="3200" dirty="0" err="1">
-                <a:solidFill>
-                  <a:schemeClr val="bg1"/>
-                </a:solidFill>
-                <a:latin typeface="Algerian" panose="04020705040A02060702" pitchFamily="82" charset="0"/>
-              </a:rPr>
-              <a:t>Ghost-sweeper</a:t>
-            </a:r>
-            <a:r>
-              <a:rPr lang="es-ES" sz="3200" dirty="0">
-                <a:solidFill>
-                  <a:schemeClr val="bg1"/>
-                </a:solidFill>
-                <a:latin typeface="Algerian" panose="04020705040A02060702" pitchFamily="82" charset="0"/>
-              </a:rPr>
-              <a:t>…</a:t>
+              <a:rPr lang="es-ES" dirty="0" err="1"/>
+              <a:t>Alex’s</a:t>
+            </a:r>
+            <a:r>
+              <a:rPr lang="es-ES" dirty="0"/>
+              <a:t> </a:t>
+            </a:r>
+            <a:r>
+              <a:rPr lang="es-ES" dirty="0" err="1"/>
+              <a:t>legacy</a:t>
+            </a:r>
+            <a:r>
+              <a:rPr lang="es-ES" dirty="0"/>
+              <a:t> es un juego donde te encontrarás en una especie de “mundo abierto” en el que se </a:t>
             </a:r>
           </a:p>
           <a:p>
             <a:pPr algn="ctr"/>
             <a:r>
-              <a:rPr lang="es-ES" sz="3200" dirty="0">
-                <a:solidFill>
-                  <a:schemeClr val="bg1"/>
-                </a:solidFill>
-                <a:latin typeface="Algerian" panose="04020705040A02060702" pitchFamily="82" charset="0"/>
-              </a:rPr>
-              <a:t>¡ADELANTE!</a:t>
-            </a:r>
-          </a:p>
-        </p:txBody>
-      </p:sp>
-    </p:spTree>
-    <p:extLst>
-      <p:ext uri="{BB962C8B-B14F-4D97-AF65-F5344CB8AC3E}">
-        <p14:creationId xmlns:p14="http://schemas.microsoft.com/office/powerpoint/2010/main" val="510679238"/>
-      </p:ext>
-    </p:extLst>
-  </p:cSld>
-  <p:clrMapOvr>
-    <a:masterClrMapping/>
-  </p:clrMapOvr>
-</p:sld>
-</file>
-
-<file path=ppt/slides/slide5.xml><?xml version="1.0" encoding="utf-8"?>
-<p:sld xmlns:a="http://schemas.openxmlformats.org/drawingml/2006/main" xmlns:r="http://schemas.openxmlformats.org/officeDocument/2006/relationships" xmlns:p="http://schemas.openxmlformats.org/presentationml/2006/main">
-  <p:cSld>
-    <p:spTree>
-      <p:nvGrpSpPr>
-        <p:cNvPr id="1" name=""/>
-        <p:cNvGrpSpPr/>
-        <p:nvPr/>
-      </p:nvGrpSpPr>
-      <p:grpSpPr>
-        <a:xfrm>
-          <a:off x="0" y="0"/>
-          <a:ext cx="0" cy="0"/>
-          <a:chOff x="0" y="0"/>
-          <a:chExt cx="0" cy="0"/>
-        </a:xfrm>
-      </p:grpSpPr>
-      <p:sp>
-        <p:nvSpPr>
-          <p:cNvPr id="6" name="Rectángulo: esquinas superiores redondeadas 5">
-            <a:extLst>
-              <a:ext uri="{FF2B5EF4-FFF2-40B4-BE49-F238E27FC236}">
-                <a16:creationId xmlns:a16="http://schemas.microsoft.com/office/drawing/2014/main" id="{20062AB2-0628-4FFD-9B80-793FEDC74786}"/>
+              <a:rPr lang="es-ES" dirty="0"/>
+              <a:t>irán dando una serie de acontecimientos relacionados con la historia.</a:t>
+            </a:r>
+          </a:p>
+          <a:p>
+            <a:pPr algn="ctr"/>
+            <a:endParaRPr lang="es-ES" dirty="0"/>
+          </a:p>
+          <a:p>
+            <a:pPr algn="ctr"/>
+            <a:r>
+              <a:rPr lang="es-ES" dirty="0"/>
+              <a:t>Para que se den los mismos se han de desarrollar diferentes eventos para los cuales necesitareis las </a:t>
+            </a:r>
+          </a:p>
+          <a:p>
+            <a:pPr algn="ctr"/>
+            <a:r>
+              <a:rPr lang="es-ES" dirty="0"/>
+              <a:t>siguientes herramientas para manejar al personaje. </a:t>
+            </a:r>
+          </a:p>
+        </p:txBody>
+      </p:sp>
+      <p:sp>
+        <p:nvSpPr>
+          <p:cNvPr id="15" name="Rectángulo 14">
+            <a:extLst>
+              <a:ext uri="{FF2B5EF4-FFF2-40B4-BE49-F238E27FC236}">
+                <a16:creationId xmlns:a16="http://schemas.microsoft.com/office/drawing/2014/main" id="{F8D9CB4E-D0D6-4989-A370-1DFD44C13A9F}"/>
               </a:ext>
             </a:extLst>
           </p:cNvPr>
@@ -4424,13 +3805,15 @@
         </p:nvSpPr>
         <p:spPr>
           <a:xfrm>
-            <a:off x="581672" y="247650"/>
-            <a:ext cx="11106150" cy="981075"/>
+            <a:off x="3543670" y="6083951"/>
+            <a:ext cx="5104660" cy="497149"/>
           </a:xfrm>
-          <a:prstGeom prst="round2SameRect">
+          <a:prstGeom prst="rect">
             <a:avLst/>
           </a:prstGeom>
-          <a:noFill/>
+          <a:solidFill>
+            <a:schemeClr val="tx1"/>
+          </a:solidFill>
           <a:ln>
             <a:solidFill>
               <a:schemeClr val="tx1"/>
@@ -4459,13 +3842,20 @@
           <a:p>
             <a:pPr algn="ctr"/>
             <a:r>
-              <a:rPr lang="es-ES" sz="2400" b="1" dirty="0">
-                <a:solidFill>
-                  <a:schemeClr val="tx1"/>
-                </a:solidFill>
+              <a:rPr lang="es-ES" sz="2400" dirty="0">
+                <a:sym typeface="Wingdings" panose="05000000000000000000" pitchFamily="2" charset="2"/>
+              </a:rPr>
+              <a:t>COMENZAR A JUGAR</a:t>
+            </a:r>
+            <a:endParaRPr lang="es-ES" sz="2400" dirty="0"/>
+          </a:p>
+          <a:p>
+            <a:pPr algn="ctr"/>
+            <a:r>
+              <a:rPr lang="es-ES" sz="2400" dirty="0">
                 <a:latin typeface="Algerian" panose="04020705040A02060702" pitchFamily="82" charset="0"/>
               </a:rPr>
-              <a:t>ARCADE LORD: ¡IMPOSIBLE! ¡AAAAAAAAARGH!</a:t>
+              <a:t>[ENTER]</a:t>
             </a:r>
           </a:p>
         </p:txBody>
@@ -4473,363 +3863,7 @@
     </p:spTree>
     <p:extLst>
       <p:ext uri="{BB962C8B-B14F-4D97-AF65-F5344CB8AC3E}">
-        <p14:creationId xmlns:p14="http://schemas.microsoft.com/office/powerpoint/2010/main" val="1911395842"/>
-      </p:ext>
-    </p:extLst>
-  </p:cSld>
-  <p:clrMapOvr>
-    <a:masterClrMapping/>
-  </p:clrMapOvr>
-</p:sld>
-</file>
-
-<file path=ppt/slides/slide6.xml><?xml version="1.0" encoding="utf-8"?>
-<p:sld xmlns:a="http://schemas.openxmlformats.org/drawingml/2006/main" xmlns:r="http://schemas.openxmlformats.org/officeDocument/2006/relationships" xmlns:p="http://schemas.openxmlformats.org/presentationml/2006/main">
-  <p:cSld>
-    <p:spTree>
-      <p:nvGrpSpPr>
-        <p:cNvPr id="1" name=""/>
-        <p:cNvGrpSpPr/>
-        <p:nvPr/>
-      </p:nvGrpSpPr>
-      <p:grpSpPr>
-        <a:xfrm>
-          <a:off x="0" y="0"/>
-          <a:ext cx="0" cy="0"/>
-          <a:chOff x="0" y="0"/>
-          <a:chExt cx="0" cy="0"/>
-        </a:xfrm>
-      </p:grpSpPr>
-      <p:sp>
-        <p:nvSpPr>
-          <p:cNvPr id="6" name="Rectángulo: esquinas superiores redondeadas 5">
-            <a:extLst>
-              <a:ext uri="{FF2B5EF4-FFF2-40B4-BE49-F238E27FC236}">
-                <a16:creationId xmlns:a16="http://schemas.microsoft.com/office/drawing/2014/main" id="{20062AB2-0628-4FFD-9B80-793FEDC74786}"/>
-              </a:ext>
-            </a:extLst>
-          </p:cNvPr>
-          <p:cNvSpPr/>
-          <p:nvPr/>
-        </p:nvSpPr>
-        <p:spPr>
-          <a:xfrm>
-            <a:off x="581672" y="247650"/>
-            <a:ext cx="11106150" cy="981075"/>
-          </a:xfrm>
-          <a:prstGeom prst="round2SameRect">
-            <a:avLst/>
-          </a:prstGeom>
-          <a:noFill/>
-          <a:ln>
-            <a:solidFill>
-              <a:schemeClr val="tx1"/>
-            </a:solidFill>
-          </a:ln>
-        </p:spPr>
-        <p:style>
-          <a:lnRef idx="2">
-            <a:schemeClr val="accent1">
-              <a:shade val="50000"/>
-            </a:schemeClr>
-          </a:lnRef>
-          <a:fillRef idx="1">
-            <a:schemeClr val="accent1"/>
-          </a:fillRef>
-          <a:effectRef idx="0">
-            <a:schemeClr val="accent1"/>
-          </a:effectRef>
-          <a:fontRef idx="minor">
-            <a:schemeClr val="lt1"/>
-          </a:fontRef>
-        </p:style>
-        <p:txBody>
-          <a:bodyPr rtlCol="0" anchor="ctr"/>
-          <a:lstStyle/>
-          <a:p>
-            <a:pPr algn="ctr"/>
-            <a:r>
-              <a:rPr lang="es-ES" dirty="0">
-                <a:solidFill>
-                  <a:schemeClr val="tx1"/>
-                </a:solidFill>
-              </a:rPr>
-              <a:t>Papá: ¡Alex! ¡Gracias al cielo! ¡Lo has conseguido!</a:t>
-            </a:r>
-          </a:p>
-        </p:txBody>
-      </p:sp>
-    </p:spTree>
-    <p:extLst>
-      <p:ext uri="{BB962C8B-B14F-4D97-AF65-F5344CB8AC3E}">
-        <p14:creationId xmlns:p14="http://schemas.microsoft.com/office/powerpoint/2010/main" val="2472180624"/>
-      </p:ext>
-    </p:extLst>
-  </p:cSld>
-  <p:clrMapOvr>
-    <a:masterClrMapping/>
-  </p:clrMapOvr>
-</p:sld>
-</file>
-
-<file path=ppt/slides/slide7.xml><?xml version="1.0" encoding="utf-8"?>
-<p:sld xmlns:a="http://schemas.openxmlformats.org/drawingml/2006/main" xmlns:r="http://schemas.openxmlformats.org/officeDocument/2006/relationships" xmlns:p="http://schemas.openxmlformats.org/presentationml/2006/main">
-  <p:cSld>
-    <p:spTree>
-      <p:nvGrpSpPr>
-        <p:cNvPr id="1" name=""/>
-        <p:cNvGrpSpPr/>
-        <p:nvPr/>
-      </p:nvGrpSpPr>
-      <p:grpSpPr>
-        <a:xfrm>
-          <a:off x="0" y="0"/>
-          <a:ext cx="0" cy="0"/>
-          <a:chOff x="0" y="0"/>
-          <a:chExt cx="0" cy="0"/>
-        </a:xfrm>
-      </p:grpSpPr>
-      <p:sp>
-        <p:nvSpPr>
-          <p:cNvPr id="6" name="Rectángulo: esquinas superiores redondeadas 5">
-            <a:extLst>
-              <a:ext uri="{FF2B5EF4-FFF2-40B4-BE49-F238E27FC236}">
-                <a16:creationId xmlns:a16="http://schemas.microsoft.com/office/drawing/2014/main" id="{20062AB2-0628-4FFD-9B80-793FEDC74786}"/>
-              </a:ext>
-            </a:extLst>
-          </p:cNvPr>
-          <p:cNvSpPr/>
-          <p:nvPr/>
-        </p:nvSpPr>
-        <p:spPr>
-          <a:xfrm>
-            <a:off x="581672" y="247650"/>
-            <a:ext cx="11106150" cy="981075"/>
-          </a:xfrm>
-          <a:prstGeom prst="round2SameRect">
-            <a:avLst/>
-          </a:prstGeom>
-          <a:noFill/>
-          <a:ln>
-            <a:solidFill>
-              <a:schemeClr val="tx1"/>
-            </a:solidFill>
-          </a:ln>
-        </p:spPr>
-        <p:style>
-          <a:lnRef idx="2">
-            <a:schemeClr val="accent1">
-              <a:shade val="50000"/>
-            </a:schemeClr>
-          </a:lnRef>
-          <a:fillRef idx="1">
-            <a:schemeClr val="accent1"/>
-          </a:fillRef>
-          <a:effectRef idx="0">
-            <a:schemeClr val="accent1"/>
-          </a:effectRef>
-          <a:fontRef idx="minor">
-            <a:schemeClr val="lt1"/>
-          </a:fontRef>
-        </p:style>
-        <p:txBody>
-          <a:bodyPr rtlCol="0" anchor="ctr"/>
-          <a:lstStyle/>
-          <a:p>
-            <a:pPr algn="ctr"/>
-            <a:r>
-              <a:rPr lang="es-ES" dirty="0">
-                <a:solidFill>
-                  <a:schemeClr val="tx1"/>
-                </a:solidFill>
-              </a:rPr>
-              <a:t>Alex: ¡Papá! ¡¿Qué pasará ahora contigo?!</a:t>
-            </a:r>
-          </a:p>
-        </p:txBody>
-      </p:sp>
-    </p:spTree>
-    <p:extLst>
-      <p:ext uri="{BB962C8B-B14F-4D97-AF65-F5344CB8AC3E}">
-        <p14:creationId xmlns:p14="http://schemas.microsoft.com/office/powerpoint/2010/main" val="4075334337"/>
-      </p:ext>
-    </p:extLst>
-  </p:cSld>
-  <p:clrMapOvr>
-    <a:masterClrMapping/>
-  </p:clrMapOvr>
-</p:sld>
-</file>
-
-<file path=ppt/slides/slide8.xml><?xml version="1.0" encoding="utf-8"?>
-<p:sld xmlns:a="http://schemas.openxmlformats.org/drawingml/2006/main" xmlns:r="http://schemas.openxmlformats.org/officeDocument/2006/relationships" xmlns:p="http://schemas.openxmlformats.org/presentationml/2006/main">
-  <p:cSld>
-    <p:spTree>
-      <p:nvGrpSpPr>
-        <p:cNvPr id="1" name=""/>
-        <p:cNvGrpSpPr/>
-        <p:nvPr/>
-      </p:nvGrpSpPr>
-      <p:grpSpPr>
-        <a:xfrm>
-          <a:off x="0" y="0"/>
-          <a:ext cx="0" cy="0"/>
-          <a:chOff x="0" y="0"/>
-          <a:chExt cx="0" cy="0"/>
-        </a:xfrm>
-      </p:grpSpPr>
-      <p:sp>
-        <p:nvSpPr>
-          <p:cNvPr id="6" name="Rectángulo: esquinas superiores redondeadas 5">
-            <a:extLst>
-              <a:ext uri="{FF2B5EF4-FFF2-40B4-BE49-F238E27FC236}">
-                <a16:creationId xmlns:a16="http://schemas.microsoft.com/office/drawing/2014/main" id="{20062AB2-0628-4FFD-9B80-793FEDC74786}"/>
-              </a:ext>
-            </a:extLst>
-          </p:cNvPr>
-          <p:cNvSpPr/>
-          <p:nvPr/>
-        </p:nvSpPr>
-        <p:spPr>
-          <a:xfrm>
-            <a:off x="581672" y="247650"/>
-            <a:ext cx="11106150" cy="981075"/>
-          </a:xfrm>
-          <a:prstGeom prst="round2SameRect">
-            <a:avLst/>
-          </a:prstGeom>
-          <a:noFill/>
-          <a:ln>
-            <a:solidFill>
-              <a:schemeClr val="tx1"/>
-            </a:solidFill>
-          </a:ln>
-        </p:spPr>
-        <p:style>
-          <a:lnRef idx="2">
-            <a:schemeClr val="accent1">
-              <a:shade val="50000"/>
-            </a:schemeClr>
-          </a:lnRef>
-          <a:fillRef idx="1">
-            <a:schemeClr val="accent1"/>
-          </a:fillRef>
-          <a:effectRef idx="0">
-            <a:schemeClr val="accent1"/>
-          </a:effectRef>
-          <a:fontRef idx="minor">
-            <a:schemeClr val="lt1"/>
-          </a:fontRef>
-        </p:style>
-        <p:txBody>
-          <a:bodyPr rtlCol="0" anchor="ctr"/>
-          <a:lstStyle/>
-          <a:p>
-            <a:pPr algn="ctr"/>
-            <a:r>
-              <a:rPr lang="es-ES" dirty="0">
-                <a:solidFill>
-                  <a:schemeClr val="tx1"/>
-                </a:solidFill>
-              </a:rPr>
-              <a:t>Papá: Estoy muerto cielo. Esto no va a cambiar eso… Sin embargo, gracias a ti ahora puedo descansar tranquilo de una vez por todas.</a:t>
-            </a:r>
-          </a:p>
-        </p:txBody>
-      </p:sp>
-    </p:spTree>
-    <p:extLst>
-      <p:ext uri="{BB962C8B-B14F-4D97-AF65-F5344CB8AC3E}">
-        <p14:creationId xmlns:p14="http://schemas.microsoft.com/office/powerpoint/2010/main" val="113903482"/>
-      </p:ext>
-    </p:extLst>
-  </p:cSld>
-  <p:clrMapOvr>
-    <a:masterClrMapping/>
-  </p:clrMapOvr>
-</p:sld>
-</file>
-
-<file path=ppt/slides/slide9.xml><?xml version="1.0" encoding="utf-8"?>
-<p:sld xmlns:a="http://schemas.openxmlformats.org/drawingml/2006/main" xmlns:r="http://schemas.openxmlformats.org/officeDocument/2006/relationships" xmlns:p="http://schemas.openxmlformats.org/presentationml/2006/main">
-  <p:cSld>
-    <p:spTree>
-      <p:nvGrpSpPr>
-        <p:cNvPr id="1" name=""/>
-        <p:cNvGrpSpPr/>
-        <p:nvPr/>
-      </p:nvGrpSpPr>
-      <p:grpSpPr>
-        <a:xfrm>
-          <a:off x="0" y="0"/>
-          <a:ext cx="0" cy="0"/>
-          <a:chOff x="0" y="0"/>
-          <a:chExt cx="0" cy="0"/>
-        </a:xfrm>
-      </p:grpSpPr>
-      <p:sp>
-        <p:nvSpPr>
-          <p:cNvPr id="6" name="Rectángulo: esquinas superiores redondeadas 5">
-            <a:extLst>
-              <a:ext uri="{FF2B5EF4-FFF2-40B4-BE49-F238E27FC236}">
-                <a16:creationId xmlns:a16="http://schemas.microsoft.com/office/drawing/2014/main" id="{20062AB2-0628-4FFD-9B80-793FEDC74786}"/>
-              </a:ext>
-            </a:extLst>
-          </p:cNvPr>
-          <p:cNvSpPr/>
-          <p:nvPr/>
-        </p:nvSpPr>
-        <p:spPr>
-          <a:xfrm>
-            <a:off x="581672" y="247650"/>
-            <a:ext cx="11106150" cy="981075"/>
-          </a:xfrm>
-          <a:prstGeom prst="round2SameRect">
-            <a:avLst/>
-          </a:prstGeom>
-          <a:noFill/>
-          <a:ln>
-            <a:solidFill>
-              <a:schemeClr val="tx1"/>
-            </a:solidFill>
-          </a:ln>
-        </p:spPr>
-        <p:style>
-          <a:lnRef idx="2">
-            <a:schemeClr val="accent1">
-              <a:shade val="50000"/>
-            </a:schemeClr>
-          </a:lnRef>
-          <a:fillRef idx="1">
-            <a:schemeClr val="accent1"/>
-          </a:fillRef>
-          <a:effectRef idx="0">
-            <a:schemeClr val="accent1"/>
-          </a:effectRef>
-          <a:fontRef idx="minor">
-            <a:schemeClr val="lt1"/>
-          </a:fontRef>
-        </p:style>
-        <p:txBody>
-          <a:bodyPr rtlCol="0" anchor="ctr"/>
-          <a:lstStyle/>
-          <a:p>
-            <a:pPr algn="ctr"/>
-            <a:r>
-              <a:rPr lang="es-ES" dirty="0">
-                <a:solidFill>
-                  <a:schemeClr val="tx1"/>
-                </a:solidFill>
-              </a:rPr>
-              <a:t>Alex: Pero no puedo perderte de nuevo cuando acabo de recuperarte…</a:t>
-            </a:r>
-          </a:p>
-        </p:txBody>
-      </p:sp>
-    </p:spTree>
-    <p:extLst>
-      <p:ext uri="{BB962C8B-B14F-4D97-AF65-F5344CB8AC3E}">
-        <p14:creationId xmlns:p14="http://schemas.microsoft.com/office/powerpoint/2010/main" val="1582148037"/>
+        <p14:creationId xmlns:p14="http://schemas.microsoft.com/office/powerpoint/2010/main" val="3044435070"/>
       </p:ext>
     </p:extLst>
   </p:cSld>
